--- a/Cymbidium orchid.pptx
+++ b/Cymbidium orchid.pptx
@@ -228,7 +228,7 @@
             <a:fld id="{FE5B4EDC-59C0-49C7-8ADA-5A781B329E02}" type="datetimeFigureOut">
               <a:rPr lang="en-US"/>
               <a:pPr/>
-              <a:t>30-Jul-14</a:t>
+              <a:t>31-Jul-14</a:t>
             </a:fld>
             <a:endParaRPr dirty="0"/>
           </a:p>
@@ -427,7 +427,7 @@
             <a:fld id="{F2D8D46A-B586-417D-BFBD-8C8FE0AAF762}" type="datetimeFigureOut">
               <a:rPr lang="en-US" smtClean="0"/>
               <a:pPr/>
-              <a:t>30-Jul-14</a:t>
+              <a:t>31-Jul-14</a:t>
             </a:fld>
             <a:endParaRPr lang="en-US"/>
           </a:p>
@@ -1736,7 +1736,7 @@
             <a:fld id="{055373AC-9AA7-423B-BA00-BA1C74164DBD}" type="datetime1">
               <a:rPr lang="en-US" smtClean="0"/>
               <a:pPr/>
-              <a:t>30-Jul-14</a:t>
+              <a:t>31-Jul-14</a:t>
             </a:fld>
             <a:endParaRPr lang="en-US" dirty="0"/>
           </a:p>
@@ -2364,7 +2364,7 @@
             <a:fld id="{055373AC-9AA7-423B-BA00-BA1C74164DBD}" type="datetime1">
               <a:rPr lang="en-US" smtClean="0"/>
               <a:pPr/>
-              <a:t>30-Jul-14</a:t>
+              <a:t>31-Jul-14</a:t>
             </a:fld>
             <a:endParaRPr lang="en-US" dirty="0"/>
           </a:p>
@@ -4076,9 +4076,139 @@
           <a:noFill/>
         </p:spPr>
       </p:pic>
+      <p:sp>
+        <p:nvSpPr>
+          <p:cNvPr id="5" name="Правоъгълник 4"/>
+          <p:cNvSpPr/>
+          <p:nvPr/>
+        </p:nvSpPr>
+        <p:spPr>
+          <a:xfrm rot="20609458">
+            <a:off x="9254011" y="4139942"/>
+            <a:ext cx="2456122" cy="923330"/>
+          </a:xfrm>
+          <a:prstGeom prst="rect">
+            <a:avLst/>
+          </a:prstGeom>
+          <a:noFill/>
+        </p:spPr>
+        <p:txBody>
+          <a:bodyPr wrap="none" lIns="91440" tIns="45720" rIns="91440" bIns="45720">
+            <a:spAutoFit/>
+          </a:bodyPr>
+          <a:lstStyle/>
+          <a:p>
+            <a:pPr algn="ctr"/>
+            <a:r>
+              <a:rPr lang="en-US" sz="5400" b="1" cap="none" spc="0" dirty="0" smtClean="0">
+                <a:ln w="9525">
+                  <a:solidFill>
+                    <a:schemeClr val="bg1"/>
+                  </a:solidFill>
+                  <a:prstDash val="solid"/>
+                </a:ln>
+                <a:solidFill>
+                  <a:schemeClr val="tx1"/>
+                </a:solidFill>
+                <a:effectLst>
+                  <a:outerShdw blurRad="12700" dist="38100" dir="2700000" algn="tl" rotWithShape="0">
+                    <a:schemeClr val="bg1">
+                      <a:lumMod val="50000"/>
+                    </a:schemeClr>
+                  </a:outerShdw>
+                </a:effectLst>
+              </a:rPr>
+              <a:t>Demo…</a:t>
+            </a:r>
+            <a:endParaRPr lang="bg-BG" sz="5400" b="1" cap="none" spc="0" dirty="0">
+              <a:ln w="9525">
+                <a:solidFill>
+                  <a:schemeClr val="bg1"/>
+                </a:solidFill>
+                <a:prstDash val="solid"/>
+              </a:ln>
+              <a:solidFill>
+                <a:schemeClr val="tx1"/>
+              </a:solidFill>
+              <a:effectLst>
+                <a:outerShdw blurRad="12700" dist="38100" dir="2700000" algn="tl" rotWithShape="0">
+                  <a:schemeClr val="bg1">
+                    <a:lumMod val="50000"/>
+                  </a:schemeClr>
+                </a:outerShdw>
+              </a:effectLst>
+            </a:endParaRPr>
+          </a:p>
+        </p:txBody>
+      </p:sp>
+      <p:sp>
+        <p:nvSpPr>
+          <p:cNvPr id="16" name="Правоъгълник 15"/>
+          <p:cNvSpPr/>
+          <p:nvPr/>
+        </p:nvSpPr>
+        <p:spPr>
+          <a:xfrm rot="1134503">
+            <a:off x="136179" y="4096836"/>
+            <a:ext cx="2456122" cy="923330"/>
+          </a:xfrm>
+          <a:prstGeom prst="rect">
+            <a:avLst/>
+          </a:prstGeom>
+          <a:noFill/>
+        </p:spPr>
+        <p:txBody>
+          <a:bodyPr wrap="none" lIns="91440" tIns="45720" rIns="91440" bIns="45720">
+            <a:spAutoFit/>
+          </a:bodyPr>
+          <a:lstStyle/>
+          <a:p>
+            <a:pPr algn="ctr"/>
+            <a:r>
+              <a:rPr lang="en-US" sz="5400" b="1" cap="none" spc="0" dirty="0" smtClean="0">
+                <a:ln w="9525">
+                  <a:solidFill>
+                    <a:schemeClr val="bg1"/>
+                  </a:solidFill>
+                  <a:prstDash val="solid"/>
+                </a:ln>
+                <a:solidFill>
+                  <a:schemeClr val="tx1"/>
+                </a:solidFill>
+                <a:effectLst>
+                  <a:outerShdw blurRad="12700" dist="38100" dir="2700000" algn="tl" rotWithShape="0">
+                    <a:schemeClr val="bg1">
+                      <a:lumMod val="50000"/>
+                    </a:schemeClr>
+                  </a:outerShdw>
+                </a:effectLst>
+              </a:rPr>
+              <a:t>Demo…</a:t>
+            </a:r>
+            <a:endParaRPr lang="bg-BG" sz="5400" b="1" cap="none" spc="0" dirty="0">
+              <a:ln w="9525">
+                <a:solidFill>
+                  <a:schemeClr val="bg1"/>
+                </a:solidFill>
+                <a:prstDash val="solid"/>
+              </a:ln>
+              <a:solidFill>
+                <a:schemeClr val="tx1"/>
+              </a:solidFill>
+              <a:effectLst>
+                <a:outerShdw blurRad="12700" dist="38100" dir="2700000" algn="tl" rotWithShape="0">
+                  <a:schemeClr val="bg1">
+                    <a:lumMod val="50000"/>
+                  </a:schemeClr>
+                </a:outerShdw>
+              </a:effectLst>
+            </a:endParaRPr>
+          </a:p>
+        </p:txBody>
+      </p:sp>
       <p:pic>
         <p:nvPicPr>
-          <p:cNvPr id="4" name="Картина 3"/>
+          <p:cNvPr id="3" name="Картина 2"/>
           <p:cNvPicPr>
             <a:picLocks noChangeAspect="1"/>
           </p:cNvPicPr>
@@ -4098,144 +4228,14 @@
         </p:blipFill>
         <p:spPr>
           <a:xfrm>
-            <a:off x="2341070" y="1011869"/>
-            <a:ext cx="7049484" cy="4613457"/>
+            <a:off x="2633196" y="1008993"/>
+            <a:ext cx="6582694" cy="4706007"/>
           </a:xfrm>
           <a:prstGeom prst="rect">
             <a:avLst/>
           </a:prstGeom>
         </p:spPr>
       </p:pic>
-      <p:sp>
-        <p:nvSpPr>
-          <p:cNvPr id="5" name="Правоъгълник 4"/>
-          <p:cNvSpPr/>
-          <p:nvPr/>
-        </p:nvSpPr>
-        <p:spPr>
-          <a:xfrm rot="20609458">
-            <a:off x="8971193" y="4139942"/>
-            <a:ext cx="2456122" cy="923330"/>
-          </a:xfrm>
-          <a:prstGeom prst="rect">
-            <a:avLst/>
-          </a:prstGeom>
-          <a:noFill/>
-        </p:spPr>
-        <p:txBody>
-          <a:bodyPr wrap="none" lIns="91440" tIns="45720" rIns="91440" bIns="45720">
-            <a:spAutoFit/>
-          </a:bodyPr>
-          <a:lstStyle/>
-          <a:p>
-            <a:pPr algn="ctr"/>
-            <a:r>
-              <a:rPr lang="en-US" sz="5400" b="1" cap="none" spc="0" dirty="0" smtClean="0">
-                <a:ln w="9525">
-                  <a:solidFill>
-                    <a:schemeClr val="bg1"/>
-                  </a:solidFill>
-                  <a:prstDash val="solid"/>
-                </a:ln>
-                <a:solidFill>
-                  <a:schemeClr val="tx1"/>
-                </a:solidFill>
-                <a:effectLst>
-                  <a:outerShdw blurRad="12700" dist="38100" dir="2700000" algn="tl" rotWithShape="0">
-                    <a:schemeClr val="bg1">
-                      <a:lumMod val="50000"/>
-                    </a:schemeClr>
-                  </a:outerShdw>
-                </a:effectLst>
-              </a:rPr>
-              <a:t>Demo…</a:t>
-            </a:r>
-            <a:endParaRPr lang="bg-BG" sz="5400" b="1" cap="none" spc="0" dirty="0">
-              <a:ln w="9525">
-                <a:solidFill>
-                  <a:schemeClr val="bg1"/>
-                </a:solidFill>
-                <a:prstDash val="solid"/>
-              </a:ln>
-              <a:solidFill>
-                <a:schemeClr val="tx1"/>
-              </a:solidFill>
-              <a:effectLst>
-                <a:outerShdw blurRad="12700" dist="38100" dir="2700000" algn="tl" rotWithShape="0">
-                  <a:schemeClr val="bg1">
-                    <a:lumMod val="50000"/>
-                  </a:schemeClr>
-                </a:outerShdw>
-              </a:effectLst>
-            </a:endParaRPr>
-          </a:p>
-        </p:txBody>
-      </p:sp>
-      <p:sp>
-        <p:nvSpPr>
-          <p:cNvPr id="16" name="Правоъгълник 15"/>
-          <p:cNvSpPr/>
-          <p:nvPr/>
-        </p:nvSpPr>
-        <p:spPr>
-          <a:xfrm rot="1134503">
-            <a:off x="136179" y="4096836"/>
-            <a:ext cx="2456122" cy="923330"/>
-          </a:xfrm>
-          <a:prstGeom prst="rect">
-            <a:avLst/>
-          </a:prstGeom>
-          <a:noFill/>
-        </p:spPr>
-        <p:txBody>
-          <a:bodyPr wrap="none" lIns="91440" tIns="45720" rIns="91440" bIns="45720">
-            <a:spAutoFit/>
-          </a:bodyPr>
-          <a:lstStyle/>
-          <a:p>
-            <a:pPr algn="ctr"/>
-            <a:r>
-              <a:rPr lang="en-US" sz="5400" b="1" cap="none" spc="0" dirty="0" smtClean="0">
-                <a:ln w="9525">
-                  <a:solidFill>
-                    <a:schemeClr val="bg1"/>
-                  </a:solidFill>
-                  <a:prstDash val="solid"/>
-                </a:ln>
-                <a:solidFill>
-                  <a:schemeClr val="tx1"/>
-                </a:solidFill>
-                <a:effectLst>
-                  <a:outerShdw blurRad="12700" dist="38100" dir="2700000" algn="tl" rotWithShape="0">
-                    <a:schemeClr val="bg1">
-                      <a:lumMod val="50000"/>
-                    </a:schemeClr>
-                  </a:outerShdw>
-                </a:effectLst>
-              </a:rPr>
-              <a:t>Demo…</a:t>
-            </a:r>
-            <a:endParaRPr lang="bg-BG" sz="5400" b="1" cap="none" spc="0" dirty="0">
-              <a:ln w="9525">
-                <a:solidFill>
-                  <a:schemeClr val="bg1"/>
-                </a:solidFill>
-                <a:prstDash val="solid"/>
-              </a:ln>
-              <a:solidFill>
-                <a:schemeClr val="tx1"/>
-              </a:solidFill>
-              <a:effectLst>
-                <a:outerShdw blurRad="12700" dist="38100" dir="2700000" algn="tl" rotWithShape="0">
-                  <a:schemeClr val="bg1">
-                    <a:lumMod val="50000"/>
-                  </a:schemeClr>
-                </a:outerShdw>
-              </a:effectLst>
-            </a:endParaRPr>
-          </a:p>
-        </p:txBody>
-      </p:sp>
     </p:spTree>
     <p:extLst>
       <p:ext uri="{BB962C8B-B14F-4D97-AF65-F5344CB8AC3E}">

--- a/Cymbidium orchid.pptx
+++ b/Cymbidium orchid.pptx
@@ -2,18 +2,18 @@
 <file path=ppt/presentation.xml><?xml version="1.0" encoding="utf-8"?>
 <p:presentation xmlns:a="http://schemas.openxmlformats.org/drawingml/2006/main" xmlns:r="http://schemas.openxmlformats.org/officeDocument/2006/relationships" xmlns:p="http://schemas.openxmlformats.org/presentationml/2006/main" removePersonalInfoOnSave="1" saveSubsetFonts="1">
   <p:sldMasterIdLst>
-    <p:sldMasterId id="2147483660" r:id="rId2"/>
+    <p:sldMasterId id="2147483660" r:id="rId1"/>
   </p:sldMasterIdLst>
   <p:notesMasterIdLst>
-    <p:notesMasterId r:id="rId6"/>
+    <p:notesMasterId r:id="rId5"/>
   </p:notesMasterIdLst>
   <p:handoutMasterIdLst>
-    <p:handoutMasterId r:id="rId7"/>
+    <p:handoutMasterId r:id="rId6"/>
   </p:handoutMasterIdLst>
   <p:sldIdLst>
-    <p:sldId id="274" r:id="rId3"/>
-    <p:sldId id="277" r:id="rId4"/>
-    <p:sldId id="278" r:id="rId5"/>
+    <p:sldId id="274" r:id="rId2"/>
+    <p:sldId id="277" r:id="rId3"/>
+    <p:sldId id="278" r:id="rId4"/>
   </p:sldIdLst>
   <p:sldSz cx="12188825" cy="6858000"/>
   <p:notesSz cx="6858000" cy="9144000"/>
@@ -21,127 +21,127 @@
     <a:defPPr>
       <a:defRPr lang="en-US"/>
     </a:defPPr>
-    <a:lvl1pPr marL="0" algn="l" defTabSz="1218987" rtl="0" eaLnBrk="1" latinLnBrk="0" hangingPunct="1">
+    <a:lvl1pPr algn="l" defTabSz="1217613" rtl="0" fontAlgn="base">
+      <a:spcBef>
+        <a:spcPct val="0"/>
+      </a:spcBef>
+      <a:spcAft>
+        <a:spcPct val="0"/>
+      </a:spcAft>
       <a:defRPr sz="2400" kern="1200">
         <a:solidFill>
           <a:schemeClr val="tx1"/>
         </a:solidFill>
-        <a:latin typeface="+mn-lt"/>
+        <a:latin typeface="Arial" charset="0"/>
         <a:ea typeface="+mn-ea"/>
-        <a:cs typeface="+mn-cs"/>
+        <a:cs typeface="Arial" charset="0"/>
       </a:defRPr>
     </a:lvl1pPr>
-    <a:lvl2pPr marL="609493" algn="l" defTabSz="1218987" rtl="0" eaLnBrk="1" latinLnBrk="0" hangingPunct="1">
+    <a:lvl2pPr marL="608013" indent="-150813" algn="l" defTabSz="1217613" rtl="0" fontAlgn="base">
+      <a:spcBef>
+        <a:spcPct val="0"/>
+      </a:spcBef>
+      <a:spcAft>
+        <a:spcPct val="0"/>
+      </a:spcAft>
       <a:defRPr sz="2400" kern="1200">
         <a:solidFill>
           <a:schemeClr val="tx1"/>
         </a:solidFill>
-        <a:latin typeface="+mn-lt"/>
+        <a:latin typeface="Arial" charset="0"/>
         <a:ea typeface="+mn-ea"/>
-        <a:cs typeface="+mn-cs"/>
+        <a:cs typeface="Arial" charset="0"/>
       </a:defRPr>
     </a:lvl2pPr>
-    <a:lvl3pPr marL="1218987" algn="l" defTabSz="1218987" rtl="0" eaLnBrk="1" latinLnBrk="0" hangingPunct="1">
+    <a:lvl3pPr marL="1217613" indent="-303213" algn="l" defTabSz="1217613" rtl="0" fontAlgn="base">
+      <a:spcBef>
+        <a:spcPct val="0"/>
+      </a:spcBef>
+      <a:spcAft>
+        <a:spcPct val="0"/>
+      </a:spcAft>
       <a:defRPr sz="2400" kern="1200">
         <a:solidFill>
           <a:schemeClr val="tx1"/>
         </a:solidFill>
-        <a:latin typeface="+mn-lt"/>
+        <a:latin typeface="Arial" charset="0"/>
         <a:ea typeface="+mn-ea"/>
-        <a:cs typeface="+mn-cs"/>
+        <a:cs typeface="Arial" charset="0"/>
       </a:defRPr>
     </a:lvl3pPr>
-    <a:lvl4pPr marL="1828480" algn="l" defTabSz="1218987" rtl="0" eaLnBrk="1" latinLnBrk="0" hangingPunct="1">
+    <a:lvl4pPr marL="1827213" indent="-455613" algn="l" defTabSz="1217613" rtl="0" fontAlgn="base">
+      <a:spcBef>
+        <a:spcPct val="0"/>
+      </a:spcBef>
+      <a:spcAft>
+        <a:spcPct val="0"/>
+      </a:spcAft>
       <a:defRPr sz="2400" kern="1200">
         <a:solidFill>
           <a:schemeClr val="tx1"/>
         </a:solidFill>
-        <a:latin typeface="+mn-lt"/>
+        <a:latin typeface="Arial" charset="0"/>
         <a:ea typeface="+mn-ea"/>
-        <a:cs typeface="+mn-cs"/>
+        <a:cs typeface="Arial" charset="0"/>
       </a:defRPr>
     </a:lvl4pPr>
-    <a:lvl5pPr marL="2437973" algn="l" defTabSz="1218987" rtl="0" eaLnBrk="1" latinLnBrk="0" hangingPunct="1">
+    <a:lvl5pPr marL="2436813" indent="-608013" algn="l" defTabSz="1217613" rtl="0" fontAlgn="base">
+      <a:spcBef>
+        <a:spcPct val="0"/>
+      </a:spcBef>
+      <a:spcAft>
+        <a:spcPct val="0"/>
+      </a:spcAft>
       <a:defRPr sz="2400" kern="1200">
         <a:solidFill>
           <a:schemeClr val="tx1"/>
         </a:solidFill>
-        <a:latin typeface="+mn-lt"/>
+        <a:latin typeface="Arial" charset="0"/>
         <a:ea typeface="+mn-ea"/>
-        <a:cs typeface="+mn-cs"/>
+        <a:cs typeface="Arial" charset="0"/>
       </a:defRPr>
     </a:lvl5pPr>
-    <a:lvl6pPr marL="3047467" algn="l" defTabSz="1218987" rtl="0" eaLnBrk="1" latinLnBrk="0" hangingPunct="1">
+    <a:lvl6pPr marL="2286000" algn="l" defTabSz="914400" rtl="0" eaLnBrk="1" latinLnBrk="0" hangingPunct="1">
       <a:defRPr sz="2400" kern="1200">
         <a:solidFill>
           <a:schemeClr val="tx1"/>
         </a:solidFill>
-        <a:latin typeface="+mn-lt"/>
+        <a:latin typeface="Arial" charset="0"/>
         <a:ea typeface="+mn-ea"/>
-        <a:cs typeface="+mn-cs"/>
+        <a:cs typeface="Arial" charset="0"/>
       </a:defRPr>
     </a:lvl6pPr>
-    <a:lvl7pPr marL="3656960" algn="l" defTabSz="1218987" rtl="0" eaLnBrk="1" latinLnBrk="0" hangingPunct="1">
+    <a:lvl7pPr marL="2743200" algn="l" defTabSz="914400" rtl="0" eaLnBrk="1" latinLnBrk="0" hangingPunct="1">
       <a:defRPr sz="2400" kern="1200">
         <a:solidFill>
           <a:schemeClr val="tx1"/>
         </a:solidFill>
-        <a:latin typeface="+mn-lt"/>
+        <a:latin typeface="Arial" charset="0"/>
         <a:ea typeface="+mn-ea"/>
-        <a:cs typeface="+mn-cs"/>
+        <a:cs typeface="Arial" charset="0"/>
       </a:defRPr>
     </a:lvl7pPr>
-    <a:lvl8pPr marL="4266453" algn="l" defTabSz="1218987" rtl="0" eaLnBrk="1" latinLnBrk="0" hangingPunct="1">
+    <a:lvl8pPr marL="3200400" algn="l" defTabSz="914400" rtl="0" eaLnBrk="1" latinLnBrk="0" hangingPunct="1">
       <a:defRPr sz="2400" kern="1200">
         <a:solidFill>
           <a:schemeClr val="tx1"/>
         </a:solidFill>
-        <a:latin typeface="+mn-lt"/>
+        <a:latin typeface="Arial" charset="0"/>
         <a:ea typeface="+mn-ea"/>
-        <a:cs typeface="+mn-cs"/>
+        <a:cs typeface="Arial" charset="0"/>
       </a:defRPr>
     </a:lvl8pPr>
-    <a:lvl9pPr marL="4875947" algn="l" defTabSz="1218987" rtl="0" eaLnBrk="1" latinLnBrk="0" hangingPunct="1">
+    <a:lvl9pPr marL="3657600" algn="l" defTabSz="914400" rtl="0" eaLnBrk="1" latinLnBrk="0" hangingPunct="1">
       <a:defRPr sz="2400" kern="1200">
         <a:solidFill>
           <a:schemeClr val="tx1"/>
         </a:solidFill>
-        <a:latin typeface="+mn-lt"/>
+        <a:latin typeface="Arial" charset="0"/>
         <a:ea typeface="+mn-ea"/>
-        <a:cs typeface="+mn-cs"/>
+        <a:cs typeface="Arial" charset="0"/>
       </a:defRPr>
     </a:lvl9pPr>
   </p:defaultTextStyle>
-  <p:extLst>
-    <p:ext uri="{EFAFB233-063F-42B5-8137-9DF3F51BA10A}">
-      <p15:sldGuideLst xmlns:p15="http://schemas.microsoft.com/office/powerpoint/2012/main">
-        <p15:guide id="1" orient="horz" pos="2160" userDrawn="1">
-          <p15:clr>
-            <a:srgbClr val="A4A3A4"/>
-          </p15:clr>
-        </p15:guide>
-        <p15:guide id="5" pos="3839" userDrawn="1">
-          <p15:clr>
-            <a:srgbClr val="A4A3A4"/>
-          </p15:clr>
-        </p15:guide>
-      </p15:sldGuideLst>
-    </p:ext>
-    <p:ext uri="{2D200454-40CA-4A62-9FC3-DE9A4176ACB9}">
-      <p15:notesGuideLst xmlns:p15="http://schemas.microsoft.com/office/powerpoint/2012/main">
-        <p15:guide id="1" orient="horz" pos="2880">
-          <p15:clr>
-            <a:srgbClr val="A4A3A4"/>
-          </p15:clr>
-        </p15:guide>
-        <p15:guide id="2" pos="2160">
-          <p15:clr>
-            <a:srgbClr val="A4A3A4"/>
-          </p15:clr>
-        </p15:guide>
-      </p15:notesGuideLst>
-    </p:ext>
-  </p:extLst>
 </p:presentation>
 </file>
 
@@ -180,7 +180,7 @@
         <p:spPr>
           <a:xfrm>
             <a:off x="0" y="0"/>
-            <a:ext cx="2971800" cy="252000"/>
+            <a:ext cx="2971800" cy="252413"/>
           </a:xfrm>
           <a:prstGeom prst="rect">
             <a:avLst/>
@@ -189,12 +189,24 @@
         <p:txBody>
           <a:bodyPr vert="horz" lIns="91440" tIns="45720" rIns="91440" bIns="45720" rtlCol="0"/>
           <a:lstStyle>
-            <a:lvl1pPr algn="l">
-              <a:defRPr sz="1200"/>
+            <a:lvl1pPr algn="l" defTabSz="1218987" fontAlgn="auto">
+              <a:spcBef>
+                <a:spcPts val="0"/>
+              </a:spcBef>
+              <a:spcAft>
+                <a:spcPts val="0"/>
+              </a:spcAft>
+              <a:defRPr sz="1200" dirty="0">
+                <a:latin typeface="+mn-lt"/>
+                <a:cs typeface="+mn-cs"/>
+              </a:defRPr>
             </a:lvl1pPr>
           </a:lstStyle>
           <a:p>
-            <a:endParaRPr dirty="0"/>
+            <a:pPr>
+              <a:defRPr/>
+            </a:pPr>
+            <a:endParaRPr/>
           </a:p>
         </p:txBody>
       </p:sp>
@@ -211,7 +223,7 @@
         <p:spPr>
           <a:xfrm>
             <a:off x="3884613" y="0"/>
-            <a:ext cx="2971800" cy="252000"/>
+            <a:ext cx="2971800" cy="252413"/>
           </a:xfrm>
           <a:prstGeom prst="rect">
             <a:avLst/>
@@ -220,15 +232,29 @@
         <p:txBody>
           <a:bodyPr vert="horz" lIns="91440" tIns="45720" rIns="91440" bIns="45720" rtlCol="0"/>
           <a:lstStyle>
-            <a:lvl1pPr algn="r">
-              <a:defRPr sz="1200"/>
+            <a:lvl1pPr algn="r" defTabSz="1218987" fontAlgn="auto">
+              <a:spcBef>
+                <a:spcPts val="0"/>
+              </a:spcBef>
+              <a:spcAft>
+                <a:spcPts val="0"/>
+              </a:spcAft>
+              <a:defRPr sz="1200">
+                <a:latin typeface="+mn-lt"/>
+                <a:cs typeface="+mn-cs"/>
+              </a:defRPr>
             </a:lvl1pPr>
           </a:lstStyle>
           <a:p>
-            <a:fld id="{FE5B4EDC-59C0-49C7-8ADA-5A781B329E02}" type="datetimeFigureOut">
+            <a:pPr>
+              <a:defRPr/>
+            </a:pPr>
+            <a:fld id="{83BF8C13-BD4A-4C92-B7B2-0522C9ECE8DD}" type="datetimeFigureOut">
               <a:rPr lang="en-US"/>
-              <a:pPr/>
-              <a:t>31-Jul-14</a:t>
+              <a:pPr>
+                <a:defRPr/>
+              </a:pPr>
+              <a:t>7/31/2014</a:t>
             </a:fld>
             <a:endParaRPr dirty="0"/>
           </a:p>
@@ -246,8 +272,8 @@
         </p:nvSpPr>
         <p:spPr>
           <a:xfrm>
-            <a:off x="0" y="8747999"/>
-            <a:ext cx="6165000" cy="394413"/>
+            <a:off x="0" y="8748713"/>
+            <a:ext cx="6164263" cy="393700"/>
           </a:xfrm>
           <a:prstGeom prst="rect">
             <a:avLst/>
@@ -256,43 +282,58 @@
         <p:txBody>
           <a:bodyPr vert="horz" lIns="91440" tIns="45720" rIns="91440" bIns="45720" rtlCol="0" anchor="b"/>
           <a:lstStyle>
-            <a:lvl1pPr algn="l">
-              <a:defRPr sz="1200"/>
+            <a:lvl1pPr algn="l" defTabSz="1218987" fontAlgn="auto">
+              <a:spcBef>
+                <a:spcPts val="0"/>
+              </a:spcBef>
+              <a:spcAft>
+                <a:spcPts val="0"/>
+              </a:spcAft>
+              <a:defRPr sz="1000" dirty="0">
+                <a:latin typeface="+mn-lt"/>
+                <a:cs typeface="+mn-cs"/>
+              </a:defRPr>
             </a:lvl1pPr>
           </a:lstStyle>
           <a:p>
-            <a:r>
-              <a:rPr lang="en-US" sz="1000" dirty="0"/>
+            <a:pPr>
+              <a:defRPr/>
+            </a:pPr>
+            <a:r>
+              <a:rPr lang="en-US"/>
               <a:t>© Software University Foundation – </a:t>
             </a:r>
             <a:r>
-              <a:rPr lang="en-US" sz="1000" u="sng" dirty="0">
+              <a:rPr lang="en-US" u="sng">
                 <a:hlinkClick r:id="rId2"/>
               </a:rPr>
               <a:t>http://softuni.org</a:t>
             </a:r>
-            <a:endParaRPr lang="en-US" sz="1000" dirty="0"/>
-          </a:p>
-          <a:p>
-            <a:r>
-              <a:rPr lang="en-US" sz="1000" dirty="0"/>
+            <a:endParaRPr lang="en-US"/>
+          </a:p>
+          <a:p>
+            <a:pPr>
+              <a:defRPr/>
+            </a:pPr>
+            <a:r>
+              <a:rPr lang="en-US"/>
               <a:t>This work is licensed under the </a:t>
             </a:r>
             <a:r>
-              <a:rPr lang="en-US" sz="1000" u="sng" noProof="1" smtClean="0">
+              <a:rPr lang="en-US" u="sng" noProof="1" smtClean="0">
                 <a:hlinkClick r:id="rId3"/>
               </a:rPr>
               <a:t>Creative Commons Attribution-NonCommercial-ShareAlike</a:t>
             </a:r>
             <a:r>
-              <a:rPr lang="en-US" sz="1000" noProof="1" smtClean="0"/>
+              <a:rPr lang="en-US" noProof="1" smtClean="0"/>
               <a:t> </a:t>
             </a:r>
             <a:r>
-              <a:rPr lang="en-US" sz="1000" dirty="0" smtClean="0"/>
+              <a:rPr lang="en-US" smtClean="0"/>
               <a:t>license.</a:t>
             </a:r>
-            <a:endParaRPr sz="1000" dirty="0"/>
+            <a:endParaRPr/>
           </a:p>
         </p:txBody>
       </p:sp>
@@ -308,8 +349,8 @@
         </p:nvSpPr>
         <p:spPr>
           <a:xfrm>
-            <a:off x="6165000" y="8748000"/>
-            <a:ext cx="691412" cy="394412"/>
+            <a:off x="6164263" y="8748713"/>
+            <a:ext cx="692150" cy="393700"/>
           </a:xfrm>
           <a:prstGeom prst="rect">
             <a:avLst/>
@@ -318,26 +359,35 @@
         <p:txBody>
           <a:bodyPr vert="horz" lIns="91440" tIns="45720" rIns="91440" bIns="45720" rtlCol="0" anchor="b"/>
           <a:lstStyle>
-            <a:lvl1pPr algn="r">
-              <a:defRPr sz="1200"/>
+            <a:lvl1pPr algn="r" defTabSz="1218987" fontAlgn="auto">
+              <a:spcBef>
+                <a:spcPts val="0"/>
+              </a:spcBef>
+              <a:spcAft>
+                <a:spcPts val="0"/>
+              </a:spcAft>
+              <a:defRPr sz="1000">
+                <a:latin typeface="+mn-lt"/>
+                <a:cs typeface="+mn-cs"/>
+              </a:defRPr>
             </a:lvl1pPr>
           </a:lstStyle>
           <a:p>
-            <a:fld id="{79429053-DC2A-4342-ADD4-2FD729D91E2C}" type="slidenum">
-              <a:rPr sz="1000"/>
-              <a:pPr/>
+            <a:pPr>
+              <a:defRPr/>
+            </a:pPr>
+            <a:fld id="{DA365688-F5FC-43FF-8115-D21860F2BE87}" type="slidenum">
+              <a:rPr/>
+              <a:pPr>
+                <a:defRPr/>
+              </a:pPr>
               <a:t>‹#›</a:t>
             </a:fld>
-            <a:endParaRPr sz="1000" dirty="0"/>
+            <a:endParaRPr dirty="0"/>
           </a:p>
         </p:txBody>
       </p:sp>
     </p:spTree>
-    <p:extLst>
-      <p:ext uri="{BB962C8B-B14F-4D97-AF65-F5344CB8AC3E}">
-        <p14:creationId xmlns:p14="http://schemas.microsoft.com/office/powerpoint/2010/main" val="4232045756"/>
-      </p:ext>
-    </p:extLst>
   </p:cSld>
   <p:clrMap bg1="lt1" tx1="dk1" bg2="lt2" tx2="dk2" accent1="accent1" accent2="accent2" accent3="accent3" accent4="accent4" accent5="accent5" accent6="accent6" hlink="hlink" folHlink="folHlink"/>
   <p:hf hdr="0" dt="0"/>
@@ -379,7 +429,7 @@
         <p:spPr>
           <a:xfrm>
             <a:off x="0" y="0"/>
-            <a:ext cx="2971800" cy="252000"/>
+            <a:ext cx="2971800" cy="252413"/>
           </a:xfrm>
           <a:prstGeom prst="rect">
             <a:avLst/>
@@ -388,12 +438,24 @@
         <p:txBody>
           <a:bodyPr vert="horz" lIns="91440" tIns="45720" rIns="91440" bIns="45720" rtlCol="0"/>
           <a:lstStyle>
-            <a:lvl1pPr algn="l">
-              <a:defRPr sz="1000"/>
+            <a:lvl1pPr algn="l" defTabSz="1218987" fontAlgn="auto">
+              <a:spcBef>
+                <a:spcPts val="0"/>
+              </a:spcBef>
+              <a:spcAft>
+                <a:spcPts val="0"/>
+              </a:spcAft>
+              <a:defRPr sz="1000" dirty="0">
+                <a:latin typeface="+mn-lt"/>
+                <a:cs typeface="+mn-cs"/>
+              </a:defRPr>
             </a:lvl1pPr>
           </a:lstStyle>
           <a:p>
-            <a:endParaRPr lang="en-US" dirty="0"/>
+            <a:pPr>
+              <a:defRPr/>
+            </a:pPr>
+            <a:endParaRPr lang="en-US"/>
           </a:p>
         </p:txBody>
       </p:sp>
@@ -410,7 +472,7 @@
         <p:spPr>
           <a:xfrm>
             <a:off x="3884613" y="0"/>
-            <a:ext cx="2971800" cy="252000"/>
+            <a:ext cx="2971800" cy="252413"/>
           </a:xfrm>
           <a:prstGeom prst="rect">
             <a:avLst/>
@@ -419,15 +481,29 @@
         <p:txBody>
           <a:bodyPr vert="horz" lIns="91440" tIns="45720" rIns="91440" bIns="45720" rtlCol="0"/>
           <a:lstStyle>
-            <a:lvl1pPr algn="r">
-              <a:defRPr sz="1000"/>
+            <a:lvl1pPr algn="r" defTabSz="1218987" fontAlgn="auto">
+              <a:spcBef>
+                <a:spcPts val="0"/>
+              </a:spcBef>
+              <a:spcAft>
+                <a:spcPts val="0"/>
+              </a:spcAft>
+              <a:defRPr sz="1000" smtClean="0">
+                <a:latin typeface="+mn-lt"/>
+                <a:cs typeface="+mn-cs"/>
+              </a:defRPr>
             </a:lvl1pPr>
           </a:lstStyle>
           <a:p>
-            <a:fld id="{F2D8D46A-B586-417D-BFBD-8C8FE0AAF762}" type="datetimeFigureOut">
-              <a:rPr lang="en-US" smtClean="0"/>
-              <a:pPr/>
-              <a:t>31-Jul-14</a:t>
+            <a:pPr>
+              <a:defRPr/>
+            </a:pPr>
+            <a:fld id="{7CBFA92D-EA75-4D89-B401-3C967000DC43}" type="datetimeFigureOut">
+              <a:rPr lang="en-US"/>
+              <a:pPr>
+                <a:defRPr/>
+              </a:pPr>
+              <a:t>7/31/2014</a:t>
             </a:fld>
             <a:endParaRPr lang="en-US"/>
           </a:p>
@@ -462,7 +538,8 @@
           <a:bodyPr vert="horz" lIns="91440" tIns="45720" rIns="91440" bIns="45720" rtlCol="0" anchor="ctr"/>
           <a:lstStyle/>
           <a:p>
-            <a:endParaRPr/>
+            <a:pPr lvl="0"/>
+            <a:endParaRPr noProof="0"/>
           </a:p>
         </p:txBody>
       </p:sp>
@@ -491,35 +568,35 @@
           <a:p>
             <a:pPr lvl="0"/>
             <a:r>
-              <a:rPr dirty="0"/>
+              <a:rPr noProof="0" dirty="0"/>
               <a:t>Click to edit Master text styles</a:t>
             </a:r>
           </a:p>
           <a:p>
             <a:pPr lvl="1"/>
             <a:r>
-              <a:rPr dirty="0"/>
+              <a:rPr noProof="0" dirty="0"/>
               <a:t>Second level</a:t>
             </a:r>
           </a:p>
           <a:p>
             <a:pPr lvl="2"/>
             <a:r>
-              <a:rPr dirty="0"/>
+              <a:rPr noProof="0" dirty="0"/>
               <a:t>Third level</a:t>
             </a:r>
           </a:p>
           <a:p>
             <a:pPr lvl="3"/>
             <a:r>
-              <a:rPr dirty="0"/>
+              <a:rPr noProof="0" dirty="0"/>
               <a:t>Fourth level</a:t>
             </a:r>
           </a:p>
           <a:p>
             <a:pPr lvl="4"/>
             <a:r>
-              <a:rPr dirty="0"/>
+              <a:rPr noProof="0" dirty="0"/>
               <a:t>Fifth level</a:t>
             </a:r>
           </a:p>
@@ -537,8 +614,8 @@
         </p:nvSpPr>
         <p:spPr>
           <a:xfrm>
-            <a:off x="-1" y="8747999"/>
-            <a:ext cx="6308999" cy="394413"/>
+            <a:off x="0" y="8748713"/>
+            <a:ext cx="6308725" cy="393700"/>
           </a:xfrm>
           <a:prstGeom prst="rect">
             <a:avLst/>
@@ -547,43 +624,58 @@
         <p:txBody>
           <a:bodyPr vert="horz" lIns="91440" tIns="45720" rIns="91440" bIns="45720" rtlCol="0" anchor="b"/>
           <a:lstStyle>
-            <a:lvl1pPr algn="l">
-              <a:defRPr sz="1000"/>
+            <a:lvl1pPr algn="l" defTabSz="1218987" fontAlgn="auto">
+              <a:spcBef>
+                <a:spcPts val="0"/>
+              </a:spcBef>
+              <a:spcAft>
+                <a:spcPts val="0"/>
+              </a:spcAft>
+              <a:defRPr sz="1000" dirty="0" smtClean="0">
+                <a:latin typeface="+mn-lt"/>
+                <a:cs typeface="+mn-cs"/>
+              </a:defRPr>
             </a:lvl1pPr>
           </a:lstStyle>
           <a:p>
-            <a:r>
-              <a:rPr lang="en-US" sz="1000" dirty="0" smtClean="0"/>
+            <a:pPr>
+              <a:defRPr/>
+            </a:pPr>
+            <a:r>
+              <a:rPr lang="en-US"/>
               <a:t>© Software University Foundation – </a:t>
             </a:r>
             <a:r>
-              <a:rPr lang="en-US" sz="1000" u="sng" dirty="0" smtClean="0">
+              <a:rPr lang="en-US" u="sng">
                 <a:hlinkClick r:id="rId2"/>
               </a:rPr>
               <a:t>http://softuni.org</a:t>
             </a:r>
-            <a:endParaRPr lang="en-US" sz="1000" dirty="0" smtClean="0"/>
-          </a:p>
-          <a:p>
-            <a:r>
-              <a:rPr lang="en-US" sz="1000" dirty="0" smtClean="0"/>
+            <a:endParaRPr lang="en-US"/>
+          </a:p>
+          <a:p>
+            <a:pPr>
+              <a:defRPr/>
+            </a:pPr>
+            <a:r>
+              <a:rPr lang="en-US"/>
               <a:t>This work is licensed under the </a:t>
             </a:r>
             <a:r>
-              <a:rPr lang="en-US" sz="1000" u="sng" noProof="1" smtClean="0">
+              <a:rPr lang="en-US" u="sng" noProof="1">
                 <a:hlinkClick r:id="rId3"/>
               </a:rPr>
               <a:t>Creative Commons Attribution-NonCommercial-ShareAlike</a:t>
             </a:r>
             <a:r>
-              <a:rPr lang="en-US" sz="1000" noProof="1" smtClean="0"/>
+              <a:rPr lang="en-US" noProof="1"/>
               <a:t> </a:t>
             </a:r>
             <a:r>
-              <a:rPr lang="en-US" sz="1000" dirty="0" smtClean="0"/>
+              <a:rPr lang="en-US"/>
               <a:t>license.</a:t>
             </a:r>
-            <a:endParaRPr lang="en-US" sz="1000" dirty="0"/>
+            <a:endParaRPr lang="en-US"/>
           </a:p>
         </p:txBody>
       </p:sp>
@@ -599,8 +691,8 @@
         </p:nvSpPr>
         <p:spPr>
           <a:xfrm>
-            <a:off x="6308999" y="8747999"/>
-            <a:ext cx="547413" cy="394413"/>
+            <a:off x="6308725" y="8748713"/>
+            <a:ext cx="547688" cy="393700"/>
           </a:xfrm>
           <a:prstGeom prst="rect">
             <a:avLst/>
@@ -609,14 +701,28 @@
         <p:txBody>
           <a:bodyPr vert="horz" lIns="91440" tIns="45720" rIns="91440" bIns="45720" rtlCol="0" anchor="b"/>
           <a:lstStyle>
-            <a:lvl1pPr algn="r">
-              <a:defRPr sz="1000"/>
+            <a:lvl1pPr algn="r" defTabSz="1218987" fontAlgn="auto">
+              <a:spcBef>
+                <a:spcPts val="0"/>
+              </a:spcBef>
+              <a:spcAft>
+                <a:spcPts val="0"/>
+              </a:spcAft>
+              <a:defRPr sz="1000" smtClean="0">
+                <a:latin typeface="+mn-lt"/>
+                <a:cs typeface="+mn-cs"/>
+              </a:defRPr>
             </a:lvl1pPr>
           </a:lstStyle>
           <a:p>
-            <a:fld id="{3EBA5BD7-F043-4D1B-AA17-CD412FC534DE}" type="slidenum">
-              <a:rPr lang="en-US" smtClean="0"/>
-              <a:pPr/>
+            <a:pPr>
+              <a:defRPr/>
+            </a:pPr>
+            <a:fld id="{F5D8B124-5DBF-43DA-BFA2-0388C56A8AC7}" type="slidenum">
+              <a:rPr lang="en-US"/>
+              <a:pPr>
+                <a:defRPr/>
+              </a:pPr>
               <a:t>‹#›</a:t>
             </a:fld>
             <a:endParaRPr lang="en-US" dirty="0"/>
@@ -624,16 +730,17 @@
         </p:txBody>
       </p:sp>
     </p:spTree>
-    <p:extLst>
-      <p:ext uri="{BB962C8B-B14F-4D97-AF65-F5344CB8AC3E}">
-        <p14:creationId xmlns:p14="http://schemas.microsoft.com/office/powerpoint/2010/main" val="276705785"/>
-      </p:ext>
-    </p:extLst>
   </p:cSld>
   <p:clrMap bg1="lt1" tx1="dk1" bg2="lt2" tx2="dk2" accent1="accent1" accent2="accent2" accent3="accent3" accent4="accent4" accent5="accent5" accent6="accent6" hlink="hlink" folHlink="folHlink"/>
   <p:hf hdr="0" dt="0"/>
   <p:notesStyle>
-    <a:lvl1pPr marL="0" algn="l" defTabSz="1218987" rtl="0" eaLnBrk="1" latinLnBrk="0" hangingPunct="1">
+    <a:lvl1pPr algn="l" defTabSz="1217613" rtl="0" fontAlgn="base">
+      <a:spcBef>
+        <a:spcPct val="30000"/>
+      </a:spcBef>
+      <a:spcAft>
+        <a:spcPct val="0"/>
+      </a:spcAft>
       <a:defRPr sz="1600" kern="1200">
         <a:solidFill>
           <a:schemeClr val="tx1"/>
@@ -643,7 +750,13 @@
         <a:cs typeface="+mn-cs"/>
       </a:defRPr>
     </a:lvl1pPr>
-    <a:lvl2pPr marL="177800" indent="0" algn="l" defTabSz="1218987" rtl="0" eaLnBrk="1" latinLnBrk="0" hangingPunct="1">
+    <a:lvl2pPr marL="177800" algn="l" defTabSz="1217613" rtl="0" fontAlgn="base">
+      <a:spcBef>
+        <a:spcPct val="30000"/>
+      </a:spcBef>
+      <a:spcAft>
+        <a:spcPct val="0"/>
+      </a:spcAft>
       <a:defRPr sz="1600" kern="1200">
         <a:solidFill>
           <a:schemeClr val="tx1"/>
@@ -653,7 +766,13 @@
         <a:cs typeface="+mn-cs"/>
       </a:defRPr>
     </a:lvl2pPr>
-    <a:lvl3pPr marL="361950" indent="0" algn="l" defTabSz="1218987" rtl="0" eaLnBrk="1" latinLnBrk="0" hangingPunct="1">
+    <a:lvl3pPr marL="361950" algn="l" defTabSz="1217613" rtl="0" fontAlgn="base">
+      <a:spcBef>
+        <a:spcPct val="30000"/>
+      </a:spcBef>
+      <a:spcAft>
+        <a:spcPct val="0"/>
+      </a:spcAft>
       <a:defRPr sz="1600" kern="1200">
         <a:solidFill>
           <a:schemeClr val="tx1"/>
@@ -663,7 +782,13 @@
         <a:cs typeface="+mn-cs"/>
       </a:defRPr>
     </a:lvl3pPr>
-    <a:lvl4pPr marL="539750" indent="0" algn="l" defTabSz="1218987" rtl="0" eaLnBrk="1" latinLnBrk="0" hangingPunct="1">
+    <a:lvl4pPr marL="539750" algn="l" defTabSz="1217613" rtl="0" fontAlgn="base">
+      <a:spcBef>
+        <a:spcPct val="30000"/>
+      </a:spcBef>
+      <a:spcAft>
+        <a:spcPct val="0"/>
+      </a:spcAft>
       <a:defRPr sz="1600" kern="1200">
         <a:solidFill>
           <a:schemeClr val="tx1"/>
@@ -673,7 +798,13 @@
         <a:cs typeface="+mn-cs"/>
       </a:defRPr>
     </a:lvl4pPr>
-    <a:lvl5pPr marL="717550" indent="0" algn="l" defTabSz="1218987" rtl="0" eaLnBrk="1" latinLnBrk="0" hangingPunct="1">
+    <a:lvl5pPr marL="717550" algn="l" defTabSz="1217613" rtl="0" fontAlgn="base">
+      <a:spcBef>
+        <a:spcPct val="30000"/>
+      </a:spcBef>
+      <a:spcAft>
+        <a:spcPct val="0"/>
+      </a:spcAft>
       <a:defRPr sz="1600" kern="1200">
         <a:solidFill>
           <a:schemeClr val="tx1"/>
@@ -746,7 +877,7 @@
       </p:grpSpPr>
       <p:sp>
         <p:nvSpPr>
-          <p:cNvPr id="2" name="Slide Image Placeholder 1"/>
+          <p:cNvPr id="9217" name="Slide Image Placeholder 1"/>
           <p:cNvSpPr>
             <a:spLocks noGrp="1" noRot="1" noChangeAspect="1"/>
           </p:cNvSpPr>
@@ -754,11 +885,21 @@
             <p:ph type="sldImg"/>
           </p:nvPr>
         </p:nvSpPr>
-        <p:spPr/>
-      </p:sp>
-      <p:sp>
-        <p:nvSpPr>
-          <p:cNvPr id="3" name="Notes Placeholder 2"/>
+        <p:spPr bwMode="auto">
+          <a:noFill/>
+          <a:ln>
+            <a:solidFill>
+              <a:srgbClr val="000000"/>
+            </a:solidFill>
+            <a:miter lim="800000"/>
+            <a:headEnd/>
+            <a:tailEnd/>
+          </a:ln>
+        </p:spPr>
+      </p:sp>
+      <p:sp>
+        <p:nvSpPr>
+          <p:cNvPr id="9218" name="Notes Placeholder 2"/>
           <p:cNvSpPr>
             <a:spLocks noGrp="1"/>
           </p:cNvSpPr>
@@ -766,95 +907,169 @@
             <p:ph type="body" idx="1"/>
           </p:nvPr>
         </p:nvSpPr>
-        <p:spPr/>
+        <p:spPr bwMode="auto">
+          <a:noFill/>
+        </p:spPr>
         <p:txBody>
-          <a:bodyPr/>
+          <a:bodyPr wrap="square" numCol="1" anchor="t" anchorCtr="0" compatLnSpc="1">
+            <a:prstTxWarp prst="textNoShape">
+              <a:avLst/>
+            </a:prstTxWarp>
+          </a:bodyPr>
           <a:lstStyle/>
           <a:p>
-            <a:endParaRPr lang="en-US"/>
+            <a:pPr>
+              <a:spcBef>
+                <a:spcPct val="0"/>
+              </a:spcBef>
+            </a:pPr>
+            <a:endParaRPr lang="bg-BG" smtClean="0"/>
           </a:p>
         </p:txBody>
       </p:sp>
       <p:sp>
         <p:nvSpPr>
-          <p:cNvPr id="5" name="Footer Placeholder 4"/>
+          <p:cNvPr id="9219" name="Footer Placeholder 4"/>
           <p:cNvSpPr>
             <a:spLocks noGrp="1"/>
           </p:cNvSpPr>
           <p:nvPr>
-            <p:ph type="ftr" sz="quarter" idx="10"/>
+            <p:ph type="ftr" sz="quarter" idx="4"/>
           </p:nvPr>
         </p:nvSpPr>
-        <p:spPr/>
+        <p:spPr bwMode="auto">
+          <a:noFill/>
+          <a:ln>
+            <a:miter lim="800000"/>
+            <a:headEnd/>
+            <a:tailEnd/>
+          </a:ln>
+        </p:spPr>
         <p:txBody>
-          <a:bodyPr/>
+          <a:bodyPr wrap="square" numCol="1" anchorCtr="0" compatLnSpc="1">
+            <a:prstTxWarp prst="textNoShape">
+              <a:avLst/>
+            </a:prstTxWarp>
+          </a:bodyPr>
           <a:lstStyle/>
           <a:p>
-            <a:r>
-              <a:rPr lang="en-US" sz="1000" smtClean="0"/>
+            <a:pPr defTabSz="1217613" fontAlgn="base">
+              <a:spcBef>
+                <a:spcPct val="0"/>
+              </a:spcBef>
+              <a:spcAft>
+                <a:spcPct val="0"/>
+              </a:spcAft>
+            </a:pPr>
+            <a:r>
+              <a:rPr lang="en-US">
+                <a:cs typeface="Arial" charset="0"/>
+              </a:rPr>
               <a:t>© Software University Foundation – </a:t>
             </a:r>
             <a:r>
-              <a:rPr lang="en-US" sz="1000" u="sng" smtClean="0">
+              <a:rPr lang="en-US" u="sng">
+                <a:cs typeface="Arial" charset="0"/>
                 <a:hlinkClick r:id="rId3"/>
               </a:rPr>
               <a:t>http://softuni.org</a:t>
             </a:r>
-            <a:endParaRPr lang="en-US" sz="1000" smtClean="0"/>
-          </a:p>
-          <a:p>
-            <a:r>
-              <a:rPr lang="en-US" sz="1000" smtClean="0"/>
+            <a:endParaRPr lang="en-US">
+              <a:cs typeface="Arial" charset="0"/>
+            </a:endParaRPr>
+          </a:p>
+          <a:p>
+            <a:pPr defTabSz="1217613" fontAlgn="base">
+              <a:spcBef>
+                <a:spcPct val="0"/>
+              </a:spcBef>
+              <a:spcAft>
+                <a:spcPct val="0"/>
+              </a:spcAft>
+            </a:pPr>
+            <a:r>
+              <a:rPr lang="en-US">
+                <a:cs typeface="Arial" charset="0"/>
+              </a:rPr>
               <a:t>This work is licensed under the </a:t>
             </a:r>
             <a:r>
-              <a:rPr lang="en-US" sz="1000" u="sng" noProof="1" smtClean="0">
+              <a:rPr lang="en-US" u="sng" noProof="1">
+                <a:cs typeface="Arial" charset="0"/>
                 <a:hlinkClick r:id="rId4"/>
               </a:rPr>
               <a:t>Creative Commons Attribution-NonCommercial-ShareAlike</a:t>
             </a:r>
             <a:r>
-              <a:rPr lang="en-US" sz="1000" noProof="1" smtClean="0"/>
+              <a:rPr lang="en-US" noProof="1">
+                <a:cs typeface="Arial" charset="0"/>
+              </a:rPr>
               <a:t> </a:t>
             </a:r>
             <a:r>
-              <a:rPr lang="en-US" sz="1000" smtClean="0"/>
+              <a:rPr lang="en-US">
+                <a:cs typeface="Arial" charset="0"/>
+              </a:rPr>
               <a:t>license.</a:t>
             </a:r>
-            <a:endParaRPr lang="en-US" sz="1000" dirty="0"/>
           </a:p>
         </p:txBody>
       </p:sp>
       <p:sp>
         <p:nvSpPr>
-          <p:cNvPr id="6" name="Slide Number Placeholder 5"/>
+          <p:cNvPr id="9220" name="Slide Number Placeholder 5"/>
           <p:cNvSpPr>
             <a:spLocks noGrp="1"/>
           </p:cNvSpPr>
           <p:nvPr>
-            <p:ph type="sldNum" sz="quarter" idx="11"/>
+            <p:ph type="sldNum" sz="quarter" idx="5"/>
           </p:nvPr>
         </p:nvSpPr>
-        <p:spPr/>
+        <p:spPr bwMode="auto">
+          <a:noFill/>
+          <a:ln>
+            <a:miter lim="800000"/>
+            <a:headEnd/>
+            <a:tailEnd/>
+          </a:ln>
+        </p:spPr>
         <p:txBody>
-          <a:bodyPr/>
+          <a:bodyPr wrap="square" numCol="1" anchorCtr="0" compatLnSpc="1">
+            <a:prstTxWarp prst="textNoShape">
+              <a:avLst/>
+            </a:prstTxWarp>
+          </a:bodyPr>
           <a:lstStyle/>
           <a:p>
-            <a:fld id="{3EBA5BD7-F043-4D1B-AA17-CD412FC534DE}" type="slidenum">
-              <a:rPr lang="en-US" smtClean="0"/>
-              <a:pPr/>
+            <a:pPr defTabSz="1217613" fontAlgn="base">
+              <a:spcBef>
+                <a:spcPct val="0"/>
+              </a:spcBef>
+              <a:spcAft>
+                <a:spcPct val="0"/>
+              </a:spcAft>
+            </a:pPr>
+            <a:fld id="{43A52F9D-17DC-4D90-8E7F-CA7C00D34795}" type="slidenum">
+              <a:rPr lang="en-US">
+                <a:cs typeface="Arial" charset="0"/>
+              </a:rPr>
+              <a:pPr defTabSz="1217613" fontAlgn="base">
+                <a:spcBef>
+                  <a:spcPct val="0"/>
+                </a:spcBef>
+                <a:spcAft>
+                  <a:spcPct val="0"/>
+                </a:spcAft>
+              </a:pPr>
               <a:t>1</a:t>
             </a:fld>
-            <a:endParaRPr lang="en-US" dirty="0"/>
+            <a:endParaRPr lang="en-US">
+              <a:cs typeface="Arial" charset="0"/>
+            </a:endParaRPr>
           </a:p>
         </p:txBody>
       </p:sp>
     </p:spTree>
-    <p:extLst>
-      <p:ext uri="{BB962C8B-B14F-4D97-AF65-F5344CB8AC3E}">
-        <p14:creationId xmlns:p14="http://schemas.microsoft.com/office/powerpoint/2010/main" val="914151531"/>
-      </p:ext>
-    </p:extLst>
   </p:cSld>
   <p:clrMapOvr>
     <a:masterClrMapping/>
@@ -881,7 +1096,7 @@
       </p:grpSpPr>
       <p:sp>
         <p:nvSpPr>
-          <p:cNvPr id="445442" name="Rectangle 2"/>
+          <p:cNvPr id="11265" name="Rectangle 2"/>
           <p:cNvSpPr>
             <a:spLocks noGrp="1" noRot="1" noChangeAspect="1" noChangeArrowheads="1" noTextEdit="1"/>
           </p:cNvSpPr>
@@ -889,13 +1104,21 @@
             <p:ph type="sldImg"/>
           </p:nvPr>
         </p:nvSpPr>
-        <p:spPr>
-          <a:ln/>
-        </p:spPr>
-      </p:sp>
-      <p:sp>
-        <p:nvSpPr>
-          <p:cNvPr id="445443" name="Rectangle 3"/>
+        <p:spPr bwMode="auto">
+          <a:noFill/>
+          <a:ln>
+            <a:solidFill>
+              <a:srgbClr val="000000"/>
+            </a:solidFill>
+            <a:miter lim="800000"/>
+            <a:headEnd/>
+            <a:tailEnd/>
+          </a:ln>
+        </p:spPr>
+      </p:sp>
+      <p:sp>
+        <p:nvSpPr>
+          <p:cNvPr id="11266" name="Rectangle 3"/>
           <p:cNvSpPr>
             <a:spLocks noGrp="1" noChangeArrowheads="1"/>
           </p:cNvSpPr>
@@ -903,95 +1126,169 @@
             <p:ph type="body" idx="1"/>
           </p:nvPr>
         </p:nvSpPr>
-        <p:spPr/>
+        <p:spPr bwMode="auto">
+          <a:noFill/>
+        </p:spPr>
         <p:txBody>
-          <a:bodyPr/>
+          <a:bodyPr wrap="square" numCol="1" anchor="t" anchorCtr="0" compatLnSpc="1">
+            <a:prstTxWarp prst="textNoShape">
+              <a:avLst/>
+            </a:prstTxWarp>
+          </a:bodyPr>
           <a:lstStyle/>
           <a:p>
-            <a:endParaRPr lang="bg-BG"/>
+            <a:pPr>
+              <a:spcBef>
+                <a:spcPct val="0"/>
+              </a:spcBef>
+            </a:pPr>
+            <a:endParaRPr lang="bg-BG" smtClean="0"/>
           </a:p>
         </p:txBody>
       </p:sp>
       <p:sp>
         <p:nvSpPr>
-          <p:cNvPr id="2" name="Footer Placeholder 1"/>
+          <p:cNvPr id="11267" name="Footer Placeholder 1"/>
           <p:cNvSpPr>
             <a:spLocks noGrp="1"/>
           </p:cNvSpPr>
           <p:nvPr>
-            <p:ph type="ftr" sz="quarter" idx="10"/>
+            <p:ph type="ftr" sz="quarter" idx="4"/>
           </p:nvPr>
         </p:nvSpPr>
-        <p:spPr/>
+        <p:spPr bwMode="auto">
+          <a:noFill/>
+          <a:ln>
+            <a:miter lim="800000"/>
+            <a:headEnd/>
+            <a:tailEnd/>
+          </a:ln>
+        </p:spPr>
         <p:txBody>
-          <a:bodyPr/>
+          <a:bodyPr wrap="square" numCol="1" anchorCtr="0" compatLnSpc="1">
+            <a:prstTxWarp prst="textNoShape">
+              <a:avLst/>
+            </a:prstTxWarp>
+          </a:bodyPr>
           <a:lstStyle/>
           <a:p>
-            <a:r>
-              <a:rPr lang="en-US" sz="1000" smtClean="0"/>
+            <a:pPr defTabSz="1217613" fontAlgn="base">
+              <a:spcBef>
+                <a:spcPct val="0"/>
+              </a:spcBef>
+              <a:spcAft>
+                <a:spcPct val="0"/>
+              </a:spcAft>
+            </a:pPr>
+            <a:r>
+              <a:rPr lang="en-US">
+                <a:cs typeface="Arial" charset="0"/>
+              </a:rPr>
               <a:t>© Software University Foundation – </a:t>
             </a:r>
             <a:r>
-              <a:rPr lang="en-US" sz="1000" u="sng" smtClean="0">
+              <a:rPr lang="en-US" u="sng">
+                <a:cs typeface="Arial" charset="0"/>
                 <a:hlinkClick r:id="rId3"/>
               </a:rPr>
               <a:t>http://softuni.org</a:t>
             </a:r>
-            <a:endParaRPr lang="en-US" sz="1000" smtClean="0"/>
-          </a:p>
-          <a:p>
-            <a:r>
-              <a:rPr lang="en-US" sz="1000" smtClean="0"/>
+            <a:endParaRPr lang="en-US">
+              <a:cs typeface="Arial" charset="0"/>
+            </a:endParaRPr>
+          </a:p>
+          <a:p>
+            <a:pPr defTabSz="1217613" fontAlgn="base">
+              <a:spcBef>
+                <a:spcPct val="0"/>
+              </a:spcBef>
+              <a:spcAft>
+                <a:spcPct val="0"/>
+              </a:spcAft>
+            </a:pPr>
+            <a:r>
+              <a:rPr lang="en-US">
+                <a:cs typeface="Arial" charset="0"/>
+              </a:rPr>
               <a:t>This work is licensed under the </a:t>
             </a:r>
             <a:r>
-              <a:rPr lang="en-US" sz="1000" u="sng" noProof="1" smtClean="0">
+              <a:rPr lang="en-US" u="sng" noProof="1">
+                <a:cs typeface="Arial" charset="0"/>
                 <a:hlinkClick r:id="rId4"/>
               </a:rPr>
               <a:t>Creative Commons Attribution-NonCommercial-ShareAlike</a:t>
             </a:r>
             <a:r>
-              <a:rPr lang="en-US" sz="1000" noProof="1" smtClean="0"/>
+              <a:rPr lang="en-US" noProof="1">
+                <a:cs typeface="Arial" charset="0"/>
+              </a:rPr>
               <a:t> </a:t>
             </a:r>
             <a:r>
-              <a:rPr lang="en-US" sz="1000" smtClean="0"/>
+              <a:rPr lang="en-US">
+                <a:cs typeface="Arial" charset="0"/>
+              </a:rPr>
               <a:t>license.</a:t>
             </a:r>
-            <a:endParaRPr lang="en-US" sz="1000" dirty="0"/>
           </a:p>
         </p:txBody>
       </p:sp>
       <p:sp>
         <p:nvSpPr>
-          <p:cNvPr id="3" name="Slide Number Placeholder 2"/>
+          <p:cNvPr id="11268" name="Slide Number Placeholder 2"/>
           <p:cNvSpPr>
             <a:spLocks noGrp="1"/>
           </p:cNvSpPr>
           <p:nvPr>
-            <p:ph type="sldNum" sz="quarter" idx="11"/>
+            <p:ph type="sldNum" sz="quarter" idx="5"/>
           </p:nvPr>
         </p:nvSpPr>
-        <p:spPr/>
+        <p:spPr bwMode="auto">
+          <a:noFill/>
+          <a:ln>
+            <a:miter lim="800000"/>
+            <a:headEnd/>
+            <a:tailEnd/>
+          </a:ln>
+        </p:spPr>
         <p:txBody>
-          <a:bodyPr/>
+          <a:bodyPr wrap="square" numCol="1" anchorCtr="0" compatLnSpc="1">
+            <a:prstTxWarp prst="textNoShape">
+              <a:avLst/>
+            </a:prstTxWarp>
+          </a:bodyPr>
           <a:lstStyle/>
           <a:p>
-            <a:fld id="{3EBA5BD7-F043-4D1B-AA17-CD412FC534DE}" type="slidenum">
-              <a:rPr lang="en-US" smtClean="0"/>
-              <a:pPr/>
+            <a:pPr defTabSz="1217613" fontAlgn="base">
+              <a:spcBef>
+                <a:spcPct val="0"/>
+              </a:spcBef>
+              <a:spcAft>
+                <a:spcPct val="0"/>
+              </a:spcAft>
+            </a:pPr>
+            <a:fld id="{49E4EED2-73EC-4781-B2E8-6ED844EE0D73}" type="slidenum">
+              <a:rPr lang="en-US">
+                <a:cs typeface="Arial" charset="0"/>
+              </a:rPr>
+              <a:pPr defTabSz="1217613" fontAlgn="base">
+                <a:spcBef>
+                  <a:spcPct val="0"/>
+                </a:spcBef>
+                <a:spcAft>
+                  <a:spcPct val="0"/>
+                </a:spcAft>
+              </a:pPr>
               <a:t>2</a:t>
             </a:fld>
-            <a:endParaRPr lang="en-US" dirty="0"/>
+            <a:endParaRPr lang="en-US">
+              <a:cs typeface="Arial" charset="0"/>
+            </a:endParaRPr>
           </a:p>
         </p:txBody>
       </p:sp>
     </p:spTree>
-    <p:extLst>
-      <p:ext uri="{BB962C8B-B14F-4D97-AF65-F5344CB8AC3E}">
-        <p14:creationId xmlns:p14="http://schemas.microsoft.com/office/powerpoint/2010/main" val="1134749778"/>
-      </p:ext>
-    </p:extLst>
   </p:cSld>
   <p:clrMapOvr>
     <a:masterClrMapping/>
@@ -1018,7 +1315,7 @@
       </p:grpSpPr>
       <p:sp>
         <p:nvSpPr>
-          <p:cNvPr id="445442" name="Rectangle 2"/>
+          <p:cNvPr id="13313" name="Rectangle 2"/>
           <p:cNvSpPr>
             <a:spLocks noGrp="1" noRot="1" noChangeAspect="1" noChangeArrowheads="1" noTextEdit="1"/>
           </p:cNvSpPr>
@@ -1026,13 +1323,21 @@
             <p:ph type="sldImg"/>
           </p:nvPr>
         </p:nvSpPr>
-        <p:spPr>
-          <a:ln/>
-        </p:spPr>
-      </p:sp>
-      <p:sp>
-        <p:nvSpPr>
-          <p:cNvPr id="445443" name="Rectangle 3"/>
+        <p:spPr bwMode="auto">
+          <a:noFill/>
+          <a:ln>
+            <a:solidFill>
+              <a:srgbClr val="000000"/>
+            </a:solidFill>
+            <a:miter lim="800000"/>
+            <a:headEnd/>
+            <a:tailEnd/>
+          </a:ln>
+        </p:spPr>
+      </p:sp>
+      <p:sp>
+        <p:nvSpPr>
+          <p:cNvPr id="13314" name="Rectangle 3"/>
           <p:cNvSpPr>
             <a:spLocks noGrp="1" noChangeArrowheads="1"/>
           </p:cNvSpPr>
@@ -1040,95 +1345,169 @@
             <p:ph type="body" idx="1"/>
           </p:nvPr>
         </p:nvSpPr>
-        <p:spPr/>
+        <p:spPr bwMode="auto">
+          <a:noFill/>
+        </p:spPr>
         <p:txBody>
-          <a:bodyPr/>
+          <a:bodyPr wrap="square" numCol="1" anchor="t" anchorCtr="0" compatLnSpc="1">
+            <a:prstTxWarp prst="textNoShape">
+              <a:avLst/>
+            </a:prstTxWarp>
+          </a:bodyPr>
           <a:lstStyle/>
           <a:p>
-            <a:endParaRPr lang="bg-BG"/>
+            <a:pPr>
+              <a:spcBef>
+                <a:spcPct val="0"/>
+              </a:spcBef>
+            </a:pPr>
+            <a:endParaRPr lang="bg-BG" smtClean="0"/>
           </a:p>
         </p:txBody>
       </p:sp>
       <p:sp>
         <p:nvSpPr>
-          <p:cNvPr id="2" name="Footer Placeholder 1"/>
+          <p:cNvPr id="13315" name="Footer Placeholder 1"/>
           <p:cNvSpPr>
             <a:spLocks noGrp="1"/>
           </p:cNvSpPr>
           <p:nvPr>
-            <p:ph type="ftr" sz="quarter" idx="10"/>
+            <p:ph type="ftr" sz="quarter" idx="4"/>
           </p:nvPr>
         </p:nvSpPr>
-        <p:spPr/>
+        <p:spPr bwMode="auto">
+          <a:noFill/>
+          <a:ln>
+            <a:miter lim="800000"/>
+            <a:headEnd/>
+            <a:tailEnd/>
+          </a:ln>
+        </p:spPr>
         <p:txBody>
-          <a:bodyPr/>
+          <a:bodyPr wrap="square" numCol="1" anchorCtr="0" compatLnSpc="1">
+            <a:prstTxWarp prst="textNoShape">
+              <a:avLst/>
+            </a:prstTxWarp>
+          </a:bodyPr>
           <a:lstStyle/>
           <a:p>
-            <a:r>
-              <a:rPr lang="en-US" sz="1000" smtClean="0"/>
+            <a:pPr defTabSz="1217613" fontAlgn="base">
+              <a:spcBef>
+                <a:spcPct val="0"/>
+              </a:spcBef>
+              <a:spcAft>
+                <a:spcPct val="0"/>
+              </a:spcAft>
+            </a:pPr>
+            <a:r>
+              <a:rPr lang="en-US">
+                <a:cs typeface="Arial" charset="0"/>
+              </a:rPr>
               <a:t>© Software University Foundation – </a:t>
             </a:r>
             <a:r>
-              <a:rPr lang="en-US" sz="1000" u="sng" smtClean="0">
+              <a:rPr lang="en-US" u="sng">
+                <a:cs typeface="Arial" charset="0"/>
                 <a:hlinkClick r:id="rId3"/>
               </a:rPr>
               <a:t>http://softuni.org</a:t>
             </a:r>
-            <a:endParaRPr lang="en-US" sz="1000" smtClean="0"/>
-          </a:p>
-          <a:p>
-            <a:r>
-              <a:rPr lang="en-US" sz="1000" smtClean="0"/>
+            <a:endParaRPr lang="en-US">
+              <a:cs typeface="Arial" charset="0"/>
+            </a:endParaRPr>
+          </a:p>
+          <a:p>
+            <a:pPr defTabSz="1217613" fontAlgn="base">
+              <a:spcBef>
+                <a:spcPct val="0"/>
+              </a:spcBef>
+              <a:spcAft>
+                <a:spcPct val="0"/>
+              </a:spcAft>
+            </a:pPr>
+            <a:r>
+              <a:rPr lang="en-US">
+                <a:cs typeface="Arial" charset="0"/>
+              </a:rPr>
               <a:t>This work is licensed under the </a:t>
             </a:r>
             <a:r>
-              <a:rPr lang="en-US" sz="1000" u="sng" noProof="1" smtClean="0">
+              <a:rPr lang="en-US" u="sng" noProof="1">
+                <a:cs typeface="Arial" charset="0"/>
                 <a:hlinkClick r:id="rId4"/>
               </a:rPr>
               <a:t>Creative Commons Attribution-NonCommercial-ShareAlike</a:t>
             </a:r>
             <a:r>
-              <a:rPr lang="en-US" sz="1000" noProof="1" smtClean="0"/>
+              <a:rPr lang="en-US" noProof="1">
+                <a:cs typeface="Arial" charset="0"/>
+              </a:rPr>
               <a:t> </a:t>
             </a:r>
             <a:r>
-              <a:rPr lang="en-US" sz="1000" smtClean="0"/>
+              <a:rPr lang="en-US">
+                <a:cs typeface="Arial" charset="0"/>
+              </a:rPr>
               <a:t>license.</a:t>
             </a:r>
-            <a:endParaRPr lang="en-US" sz="1000" dirty="0"/>
           </a:p>
         </p:txBody>
       </p:sp>
       <p:sp>
         <p:nvSpPr>
-          <p:cNvPr id="3" name="Slide Number Placeholder 2"/>
+          <p:cNvPr id="13316" name="Slide Number Placeholder 2"/>
           <p:cNvSpPr>
             <a:spLocks noGrp="1"/>
           </p:cNvSpPr>
           <p:nvPr>
-            <p:ph type="sldNum" sz="quarter" idx="11"/>
+            <p:ph type="sldNum" sz="quarter" idx="5"/>
           </p:nvPr>
         </p:nvSpPr>
-        <p:spPr/>
+        <p:spPr bwMode="auto">
+          <a:noFill/>
+          <a:ln>
+            <a:miter lim="800000"/>
+            <a:headEnd/>
+            <a:tailEnd/>
+          </a:ln>
+        </p:spPr>
         <p:txBody>
-          <a:bodyPr/>
+          <a:bodyPr wrap="square" numCol="1" anchorCtr="0" compatLnSpc="1">
+            <a:prstTxWarp prst="textNoShape">
+              <a:avLst/>
+            </a:prstTxWarp>
+          </a:bodyPr>
           <a:lstStyle/>
           <a:p>
-            <a:fld id="{3EBA5BD7-F043-4D1B-AA17-CD412FC534DE}" type="slidenum">
-              <a:rPr lang="en-US" smtClean="0"/>
-              <a:pPr/>
+            <a:pPr defTabSz="1217613" fontAlgn="base">
+              <a:spcBef>
+                <a:spcPct val="0"/>
+              </a:spcBef>
+              <a:spcAft>
+                <a:spcPct val="0"/>
+              </a:spcAft>
+            </a:pPr>
+            <a:fld id="{C787F988-496E-4623-A2DA-881444DAA80C}" type="slidenum">
+              <a:rPr lang="en-US">
+                <a:cs typeface="Arial" charset="0"/>
+              </a:rPr>
+              <a:pPr defTabSz="1217613" fontAlgn="base">
+                <a:spcBef>
+                  <a:spcPct val="0"/>
+                </a:spcBef>
+                <a:spcAft>
+                  <a:spcPct val="0"/>
+                </a:spcAft>
+              </a:pPr>
               <a:t>3</a:t>
             </a:fld>
-            <a:endParaRPr lang="en-US" dirty="0"/>
+            <a:endParaRPr lang="en-US">
+              <a:cs typeface="Arial" charset="0"/>
+            </a:endParaRPr>
           </a:p>
         </p:txBody>
       </p:sp>
     </p:spTree>
-    <p:extLst>
-      <p:ext uri="{BB962C8B-B14F-4D97-AF65-F5344CB8AC3E}">
-        <p14:creationId xmlns:p14="http://schemas.microsoft.com/office/powerpoint/2010/main" val="1134749778"/>
-      </p:ext>
-    </p:extLst>
   </p:cSld>
   <p:clrMapOvr>
     <a:masterClrMapping/>
@@ -1141,10 +1520,8 @@
   <p:cSld name="Presentation Title Slide">
     <p:bg bwMode="grayWhite">
       <p:bgPr>
-        <a:blipFill dpi="0" rotWithShape="1">
-          <a:blip r:embed="rId2" cstate="print">
-            <a:lum/>
-          </a:blip>
+        <a:blipFill dpi="0" rotWithShape="0">
+          <a:blip r:embed="rId2"/>
           <a:srcRect/>
           <a:stretch>
             <a:fillRect/>
@@ -1174,7 +1551,7 @@
             <a:spLocks noGrp="1"/>
           </p:cNvSpPr>
           <p:nvPr>
-            <p:ph type="ctrTitle" hasCustomPrompt="1"/>
+            <p:ph type="ctrTitle"/>
           </p:nvPr>
         </p:nvSpPr>
         <p:spPr>
@@ -1199,7 +1576,7 @@
           <a:p>
             <a:r>
               <a:rPr lang="en-US" dirty="0" smtClean="0"/>
-              <a:t>Presentation Title</a:t>
+              <a:t>Click to edit Master title style</a:t>
             </a:r>
             <a:endParaRPr dirty="0"/>
           </a:p>
@@ -1212,7 +1589,7 @@
             <a:spLocks noGrp="1"/>
           </p:cNvSpPr>
           <p:nvPr>
-            <p:ph type="subTitle" idx="1" hasCustomPrompt="1"/>
+            <p:ph type="subTitle" idx="1"/>
           </p:nvPr>
         </p:nvSpPr>
         <p:spPr>
@@ -1321,7 +1698,7 @@
           <a:p>
             <a:r>
               <a:rPr lang="en-US" dirty="0" smtClean="0"/>
-              <a:t>Presentation Subtitle</a:t>
+              <a:t>Click to edit Master subtitle style</a:t>
             </a:r>
             <a:endParaRPr dirty="0"/>
           </a:p>
@@ -1334,7 +1711,7 @@
             <a:spLocks noGrp="1"/>
           </p:cNvSpPr>
           <p:nvPr>
-            <p:ph type="body" sz="quarter" idx="10" hasCustomPrompt="1"/>
+            <p:ph type="body" sz="quarter" idx="10"/>
           </p:nvPr>
         </p:nvSpPr>
         <p:spPr bwMode="auto">
@@ -1349,7 +1726,7 @@
           <a:effectLst/>
         </p:spPr>
         <p:txBody>
-          <a:bodyPr wrap="square" lIns="36000" tIns="36000" rIns="36000" bIns="36000" rtlCol="0" anchor="b" anchorCtr="0">
+          <a:bodyPr lIns="36000" rIns="36000" rtlCol="0" anchor="b">
             <a:spAutoFit/>
           </a:bodyPr>
           <a:lstStyle>
@@ -1376,9 +1753,8 @@
             <a:pPr lvl="0"/>
             <a:r>
               <a:rPr lang="en-US" dirty="0" smtClean="0"/>
-              <a:t>Author Name</a:t>
-            </a:r>
-            <a:endParaRPr lang="en-US" dirty="0"/>
+              <a:t>Click to edit Master text styles</a:t>
+            </a:r>
           </a:p>
         </p:txBody>
       </p:sp>
@@ -1389,7 +1765,7 @@
             <a:spLocks noGrp="1"/>
           </p:cNvSpPr>
           <p:nvPr>
-            <p:ph type="pic" sz="quarter" idx="16" hasCustomPrompt="1"/>
+            <p:ph type="pic" sz="quarter" idx="16"/>
           </p:nvPr>
         </p:nvSpPr>
         <p:spPr>
@@ -1402,7 +1778,9 @@
           </a:prstGeom>
         </p:spPr>
         <p:txBody>
-          <a:bodyPr lIns="108000" tIns="36000" rIns="108000" bIns="36000"/>
+          <a:bodyPr rtlCol="0">
+            <a:normAutofit/>
+          </a:bodyPr>
           <a:lstStyle>
             <a:lvl1pPr marL="0" indent="0">
               <a:buNone/>
@@ -1410,11 +1788,12 @@
             </a:lvl1pPr>
           </a:lstStyle>
           <a:p>
-            <a:r>
-              <a:rPr lang="en-US" dirty="0" smtClean="0"/>
-              <a:t>Insert a Picture Here</a:t>
-            </a:r>
-            <a:endParaRPr lang="en-US" dirty="0"/>
+            <a:pPr lvl="0"/>
+            <a:r>
+              <a:rPr lang="en-US" noProof="0" dirty="0" smtClean="0"/>
+              <a:t>Click icon to add picture</a:t>
+            </a:r>
+            <a:endParaRPr lang="en-US" noProof="0" dirty="0"/>
           </a:p>
         </p:txBody>
       </p:sp>
@@ -1425,7 +1804,7 @@
             <a:spLocks noGrp="1"/>
           </p:cNvSpPr>
           <p:nvPr>
-            <p:ph type="body" sz="quarter" idx="13" hasCustomPrompt="1"/>
+            <p:ph type="body" sz="quarter" idx="13"/>
           </p:nvPr>
         </p:nvSpPr>
         <p:spPr bwMode="auto">
@@ -1440,7 +1819,7 @@
           <a:effectLst/>
         </p:spPr>
         <p:txBody>
-          <a:bodyPr wrap="square" lIns="36000" tIns="36000" rIns="36000" bIns="36000" rtlCol="0" anchor="ctr" anchorCtr="0">
+          <a:bodyPr lIns="36000" rIns="36000" rtlCol="0" anchor="ctr">
             <a:spAutoFit/>
           </a:bodyPr>
           <a:lstStyle>
@@ -1467,9 +1846,8 @@
             <a:pPr lvl="0"/>
             <a:r>
               <a:rPr lang="en-US" dirty="0" smtClean="0"/>
-              <a:t>Position</a:t>
-            </a:r>
-            <a:endParaRPr lang="en-US" dirty="0"/>
+              <a:t>Click to edit Master text styles</a:t>
+            </a:r>
           </a:p>
         </p:txBody>
       </p:sp>
@@ -1480,7 +1858,7 @@
             <a:spLocks noGrp="1"/>
           </p:cNvSpPr>
           <p:nvPr>
-            <p:ph type="body" sz="quarter" idx="14" hasCustomPrompt="1"/>
+            <p:ph type="body" sz="quarter" idx="14"/>
           </p:nvPr>
         </p:nvSpPr>
         <p:spPr bwMode="auto">
@@ -1495,7 +1873,7 @@
           <a:effectLst/>
         </p:spPr>
         <p:txBody>
-          <a:bodyPr wrap="square" lIns="36000" tIns="36000" rIns="36000" bIns="36000" rtlCol="0" anchor="ctr" anchorCtr="0">
+          <a:bodyPr lIns="36000" rIns="36000" rtlCol="0" anchor="ctr">
             <a:spAutoFit/>
           </a:bodyPr>
           <a:lstStyle>
@@ -1525,9 +1903,8 @@
             <a:pPr lvl="0"/>
             <a:r>
               <a:rPr lang="en-US" dirty="0" smtClean="0"/>
-              <a:t>Web Site</a:t>
-            </a:r>
-            <a:endParaRPr lang="en-US" dirty="0"/>
+              <a:t>Click to edit Master text styles</a:t>
+            </a:r>
           </a:p>
         </p:txBody>
       </p:sp>
@@ -1538,7 +1915,7 @@
             <a:spLocks noGrp="1"/>
           </p:cNvSpPr>
           <p:nvPr>
-            <p:ph type="body" sz="quarter" idx="17" hasCustomPrompt="1"/>
+            <p:ph type="body" sz="quarter" idx="17"/>
           </p:nvPr>
         </p:nvSpPr>
         <p:spPr bwMode="auto">
@@ -1553,7 +1930,7 @@
           <a:effectLst/>
         </p:spPr>
         <p:txBody>
-          <a:bodyPr wrap="square" lIns="36000" tIns="36000" rIns="36000" bIns="36000" rtlCol="0" anchor="ctr" anchorCtr="0">
+          <a:bodyPr lIns="36000" rIns="36000" rtlCol="0" anchor="ctr">
             <a:spAutoFit/>
           </a:bodyPr>
           <a:lstStyle>
@@ -1580,9 +1957,8 @@
             <a:pPr lvl="0"/>
             <a:r>
               <a:rPr lang="en-US" dirty="0" smtClean="0"/>
-              <a:t>Company Name</a:t>
-            </a:r>
-            <a:endParaRPr lang="en-US" dirty="0"/>
+              <a:t>Click to edit Master text styles</a:t>
+            </a:r>
           </a:p>
         </p:txBody>
       </p:sp>
@@ -1593,7 +1969,7 @@
             <a:spLocks noGrp="1"/>
           </p:cNvSpPr>
           <p:nvPr>
-            <p:ph type="body" sz="quarter" idx="18" hasCustomPrompt="1"/>
+            <p:ph type="body" sz="quarter" idx="18"/>
           </p:nvPr>
         </p:nvSpPr>
         <p:spPr bwMode="auto">
@@ -1608,7 +1984,7 @@
           <a:effectLst/>
         </p:spPr>
         <p:txBody>
-          <a:bodyPr wrap="square" lIns="36000" tIns="36000" rIns="36000" bIns="36000" rtlCol="0" anchor="ctr" anchorCtr="0">
+          <a:bodyPr lIns="36000" rIns="36000" rtlCol="0" anchor="ctr">
             <a:spAutoFit/>
           </a:bodyPr>
           <a:lstStyle>
@@ -1635,57 +2011,23 @@
             <a:pPr lvl="0"/>
             <a:r>
               <a:rPr lang="en-US" dirty="0" smtClean="0"/>
-              <a:t>Company Web Site</a:t>
-            </a:r>
-            <a:endParaRPr lang="en-US" dirty="0"/>
+              <a:t>Click to edit Master text styles</a:t>
+            </a:r>
           </a:p>
         </p:txBody>
       </p:sp>
     </p:spTree>
-    <p:extLst>
-      <p:ext uri="{BB962C8B-B14F-4D97-AF65-F5344CB8AC3E}">
-        <p14:creationId xmlns:p14="http://schemas.microsoft.com/office/powerpoint/2010/main" val="1847488592"/>
-      </p:ext>
-    </p:extLst>
   </p:cSld>
   <p:clrMapOvr>
     <a:masterClrMapping/>
   </p:clrMapOvr>
-  <mc:AlternateContent xmlns:mc="http://schemas.openxmlformats.org/markup-compatibility/2006" xmlns:p14="http://schemas.microsoft.com/office/powerpoint/2010/main">
-    <mc:Choice Requires="p14">
-      <p:transition p14:dur="0"/>
-    </mc:Choice>
-    <mc:Fallback xmlns="">
-      <p:transition/>
-    </mc:Fallback>
-  </mc:AlternateContent>
-  <p:timing>
-    <p:tnLst>
-      <p:par>
-        <p:cTn id="1" dur="indefinite" restart="never" nodeType="tmRoot"/>
-      </p:par>
-    </p:tnLst>
-  </p:timing>
+  <p:transition/>
 </p:sldLayout>
 </file>
 
 <file path=ppt/slideLayouts/slideLayout2.xml><?xml version="1.0" encoding="utf-8"?>
 <p:sldLayout xmlns:a="http://schemas.openxmlformats.org/drawingml/2006/main" xmlns:r="http://schemas.openxmlformats.org/officeDocument/2006/relationships" xmlns:p="http://schemas.openxmlformats.org/presentationml/2006/main" preserve="1" userDrawn="1">
   <p:cSld name="Title and Content">
-    <p:bg>
-      <p:bgPr>
-        <a:blipFill dpi="0" rotWithShape="1">
-          <a:blip r:embed="rId2" cstate="print">
-            <a:lum/>
-          </a:blip>
-          <a:srcRect/>
-          <a:stretch>
-            <a:fillRect/>
-          </a:stretch>
-        </a:blipFill>
-        <a:effectLst/>
-      </p:bgPr>
-    </p:bg>
     <p:spTree>
       <p:nvGrpSpPr>
         <p:cNvPr id="1" name=""/>
@@ -1700,127 +2042,38 @@
           <a:chExt cx="0" cy="0"/>
         </a:xfrm>
       </p:grpSpPr>
-      <p:sp>
-        <p:nvSpPr>
-          <p:cNvPr id="18" name="Date Placeholder 3"/>
-          <p:cNvSpPr>
-            <a:spLocks noGrp="1"/>
-          </p:cNvSpPr>
-          <p:nvPr>
-            <p:ph type="dt" sz="half" idx="2"/>
-          </p:nvPr>
-        </p:nvSpPr>
-        <p:spPr>
+      <p:pic>
+        <p:nvPicPr>
+          <p:cNvPr id="4" name="Picture 2"/>
+          <p:cNvPicPr>
+            <a:picLocks noChangeAspect="1" noChangeArrowheads="1"/>
+          </p:cNvPicPr>
+          <p:nvPr userDrawn="1"/>
+        </p:nvPicPr>
+        <p:blipFill>
+          <a:blip r:embed="rId2"/>
+          <a:srcRect/>
+          <a:stretch>
+            <a:fillRect/>
+          </a:stretch>
+        </p:blipFill>
+        <p:spPr bwMode="auto">
           <a:xfrm>
-            <a:off x="188814" y="6525002"/>
-            <a:ext cx="1223999" cy="196477"/>
+            <a:off x="9828213" y="228600"/>
+            <a:ext cx="2174875" cy="762000"/>
           </a:xfrm>
           <a:prstGeom prst="rect">
             <a:avLst/>
           </a:prstGeom>
-        </p:spPr>
-        <p:txBody>
-          <a:bodyPr vert="horz" lIns="36000" tIns="36000" rIns="36000" bIns="36000" rtlCol="0" anchor="ctr"/>
-          <a:lstStyle>
-            <a:lvl1pPr algn="l">
-              <a:defRPr sz="1000">
-                <a:solidFill>
-                  <a:schemeClr val="tx1">
-                    <a:tint val="75000"/>
-                  </a:schemeClr>
-                </a:solidFill>
-              </a:defRPr>
-            </a:lvl1pPr>
-          </a:lstStyle>
-          <a:p>
-            <a:fld id="{055373AC-9AA7-423B-BA00-BA1C74164DBD}" type="datetime1">
-              <a:rPr lang="en-US" smtClean="0"/>
-              <a:pPr/>
-              <a:t>31-Jul-14</a:t>
-            </a:fld>
-            <a:endParaRPr lang="en-US" dirty="0"/>
-          </a:p>
-        </p:txBody>
-      </p:sp>
-      <p:sp>
-        <p:nvSpPr>
-          <p:cNvPr id="19" name="Footer Placeholder 4"/>
-          <p:cNvSpPr>
-            <a:spLocks noGrp="1"/>
-          </p:cNvSpPr>
-          <p:nvPr>
-            <p:ph type="ftr" sz="quarter" idx="3"/>
-          </p:nvPr>
-        </p:nvSpPr>
-        <p:spPr>
-          <a:xfrm>
-            <a:off x="1414412" y="6525002"/>
-            <a:ext cx="10150400" cy="196477"/>
-          </a:xfrm>
-          <a:prstGeom prst="rect">
-            <a:avLst/>
-          </a:prstGeom>
-        </p:spPr>
-        <p:txBody>
-          <a:bodyPr vert="horz" lIns="36000" tIns="36000" rIns="36000" bIns="36000" rtlCol="0" anchor="ctr"/>
-          <a:lstStyle>
-            <a:lvl1pPr algn="ctr">
-              <a:defRPr sz="1000">
-                <a:solidFill>
-                  <a:schemeClr val="tx1">
-                    <a:tint val="75000"/>
-                  </a:schemeClr>
-                </a:solidFill>
-              </a:defRPr>
-            </a:lvl1pPr>
-          </a:lstStyle>
-          <a:p>
-            <a:endParaRPr lang="en-US" dirty="0"/>
-          </a:p>
-        </p:txBody>
-      </p:sp>
-      <p:sp>
-        <p:nvSpPr>
-          <p:cNvPr id="20" name="Slide Number Placeholder 5"/>
-          <p:cNvSpPr>
-            <a:spLocks noGrp="1"/>
-          </p:cNvSpPr>
-          <p:nvPr>
-            <p:ph type="sldNum" sz="quarter" idx="4"/>
-          </p:nvPr>
-        </p:nvSpPr>
-        <p:spPr>
-          <a:xfrm>
-            <a:off x="11566412" y="6525002"/>
-            <a:ext cx="428822" cy="196477"/>
-          </a:xfrm>
-          <a:prstGeom prst="rect">
-            <a:avLst/>
-          </a:prstGeom>
-        </p:spPr>
-        <p:txBody>
-          <a:bodyPr vert="horz" lIns="36000" tIns="36000" rIns="36000" bIns="36000" rtlCol="0" anchor="ctr"/>
-          <a:lstStyle>
-            <a:lvl1pPr algn="r">
-              <a:defRPr sz="1000">
-                <a:solidFill>
-                  <a:schemeClr val="tx1">
-                    <a:tint val="75000"/>
-                  </a:schemeClr>
-                </a:solidFill>
-              </a:defRPr>
-            </a:lvl1pPr>
-          </a:lstStyle>
-          <a:p>
-            <a:fld id="{C014DD1E-5D91-48A3-AD6D-45FBA980D106}" type="slidenum">
-              <a:rPr lang="en-US" smtClean="0"/>
-              <a:pPr/>
-              <a:t>‹#›</a:t>
-            </a:fld>
-            <a:endParaRPr lang="en-US" dirty="0"/>
-          </a:p>
-        </p:txBody>
-      </p:sp>
+          <a:noFill/>
+          <a:ln w="9525">
+            <a:noFill/>
+            <a:miter lim="800000"/>
+            <a:headEnd/>
+            <a:tailEnd/>
+          </a:ln>
+        </p:spPr>
+      </p:pic>
       <p:sp>
         <p:nvSpPr>
           <p:cNvPr id="22" name="Content Placeholder 2"/>
@@ -1828,7 +2081,7 @@
             <a:spLocks noGrp="1"/>
           </p:cNvSpPr>
           <p:nvPr>
-            <p:ph idx="1" hasCustomPrompt="1"/>
+            <p:ph idx="1"/>
           </p:nvPr>
         </p:nvSpPr>
         <p:spPr>
@@ -1872,35 +2125,35 @@
             <a:pPr lvl="0"/>
             <a:r>
               <a:rPr lang="en-US" dirty="0" smtClean="0"/>
-              <a:t>First Level</a:t>
+              <a:t>Click to edit Master text styles</a:t>
             </a:r>
           </a:p>
           <a:p>
             <a:pPr lvl="1"/>
             <a:r>
               <a:rPr lang="en-US" dirty="0" smtClean="0"/>
-              <a:t>Second Level</a:t>
+              <a:t>Second level</a:t>
             </a:r>
           </a:p>
           <a:p>
             <a:pPr lvl="2"/>
             <a:r>
               <a:rPr lang="en-US" dirty="0" smtClean="0"/>
-              <a:t>Third Level</a:t>
+              <a:t>Third level</a:t>
             </a:r>
           </a:p>
           <a:p>
             <a:pPr lvl="3"/>
             <a:r>
               <a:rPr lang="en-US" dirty="0" smtClean="0"/>
-              <a:t>Fourth Level</a:t>
+              <a:t>Fourth level</a:t>
             </a:r>
           </a:p>
           <a:p>
             <a:pPr lvl="4"/>
             <a:r>
               <a:rPr lang="en-US" dirty="0" smtClean="0"/>
-              <a:t>Fifth Level`</a:t>
+              <a:t>Fifth level</a:t>
             </a:r>
             <a:endParaRPr dirty="0"/>
           </a:p>
@@ -1913,7 +2166,7 @@
             <a:spLocks noGrp="1"/>
           </p:cNvSpPr>
           <p:nvPr>
-            <p:ph type="title" hasCustomPrompt="1"/>
+            <p:ph type="title"/>
           </p:nvPr>
         </p:nvSpPr>
         <p:spPr>
@@ -1937,63 +2190,128 @@
           <a:p>
             <a:r>
               <a:rPr lang="en-US" dirty="0" smtClean="0"/>
-              <a:t>Slide Title</a:t>
+              <a:t>Click to edit Master title style</a:t>
             </a:r>
             <a:endParaRPr dirty="0"/>
           </a:p>
         </p:txBody>
       </p:sp>
-      <p:pic>
-        <p:nvPicPr>
-          <p:cNvPr id="1026" name="Picture 2"/>
-          <p:cNvPicPr>
-            <a:picLocks noChangeAspect="1" noChangeArrowheads="1"/>
-          </p:cNvPicPr>
-          <p:nvPr userDrawn="1"/>
-        </p:nvPicPr>
-        <p:blipFill>
-          <a:blip r:embed="rId3" cstate="print"/>
-          <a:srcRect/>
-          <a:stretch>
-            <a:fillRect/>
-          </a:stretch>
-        </p:blipFill>
-        <p:spPr bwMode="auto">
-          <a:xfrm>
-            <a:off x="9828212" y="228600"/>
-            <a:ext cx="2175525" cy="762000"/>
-          </a:xfrm>
-          <a:prstGeom prst="rect">
-            <a:avLst/>
-          </a:prstGeom>
-          <a:noFill/>
-        </p:spPr>
-      </p:pic>
+      <p:sp>
+        <p:nvSpPr>
+          <p:cNvPr id="5" name="Date Placeholder 3"/>
+          <p:cNvSpPr>
+            <a:spLocks noGrp="1"/>
+          </p:cNvSpPr>
+          <p:nvPr>
+            <p:ph type="dt" sz="half" idx="10"/>
+          </p:nvPr>
+        </p:nvSpPr>
+        <p:spPr/>
+        <p:txBody>
+          <a:bodyPr/>
+          <a:lstStyle>
+            <a:lvl1pPr algn="l">
+              <a:defRPr sz="1000" smtClean="0">
+                <a:solidFill>
+                  <a:schemeClr val="tx1">
+                    <a:tint val="75000"/>
+                  </a:schemeClr>
+                </a:solidFill>
+              </a:defRPr>
+            </a:lvl1pPr>
+          </a:lstStyle>
+          <a:p>
+            <a:pPr>
+              <a:defRPr/>
+            </a:pPr>
+            <a:fld id="{583802A1-7468-4005-8741-1D51DC5EBEA0}" type="datetime1">
+              <a:rPr lang="en-US"/>
+              <a:pPr>
+                <a:defRPr/>
+              </a:pPr>
+              <a:t>7/31/2014</a:t>
+            </a:fld>
+            <a:endParaRPr lang="en-US" dirty="0"/>
+          </a:p>
+        </p:txBody>
+      </p:sp>
+      <p:sp>
+        <p:nvSpPr>
+          <p:cNvPr id="6" name="Footer Placeholder 4"/>
+          <p:cNvSpPr>
+            <a:spLocks noGrp="1"/>
+          </p:cNvSpPr>
+          <p:nvPr>
+            <p:ph type="ftr" sz="quarter" idx="11"/>
+          </p:nvPr>
+        </p:nvSpPr>
+        <p:spPr/>
+        <p:txBody>
+          <a:bodyPr/>
+          <a:lstStyle>
+            <a:lvl1pPr algn="ctr">
+              <a:defRPr sz="1000" dirty="0">
+                <a:solidFill>
+                  <a:schemeClr val="tx1">
+                    <a:tint val="75000"/>
+                  </a:schemeClr>
+                </a:solidFill>
+              </a:defRPr>
+            </a:lvl1pPr>
+          </a:lstStyle>
+          <a:p>
+            <a:pPr>
+              <a:defRPr/>
+            </a:pPr>
+            <a:endParaRPr lang="en-US"/>
+          </a:p>
+        </p:txBody>
+      </p:sp>
+      <p:sp>
+        <p:nvSpPr>
+          <p:cNvPr id="7" name="Slide Number Placeholder 5"/>
+          <p:cNvSpPr>
+            <a:spLocks noGrp="1"/>
+          </p:cNvSpPr>
+          <p:nvPr>
+            <p:ph type="sldNum" sz="quarter" idx="12"/>
+          </p:nvPr>
+        </p:nvSpPr>
+        <p:spPr/>
+        <p:txBody>
+          <a:bodyPr/>
+          <a:lstStyle>
+            <a:lvl1pPr algn="r">
+              <a:defRPr sz="1000" smtClean="0">
+                <a:solidFill>
+                  <a:schemeClr val="tx1">
+                    <a:tint val="75000"/>
+                  </a:schemeClr>
+                </a:solidFill>
+              </a:defRPr>
+            </a:lvl1pPr>
+          </a:lstStyle>
+          <a:p>
+            <a:pPr>
+              <a:defRPr/>
+            </a:pPr>
+            <a:fld id="{02D9A9B8-F420-447C-8782-28A34B54CBA3}" type="slidenum">
+              <a:rPr lang="en-US"/>
+              <a:pPr>
+                <a:defRPr/>
+              </a:pPr>
+              <a:t>‹#›</a:t>
+            </a:fld>
+            <a:endParaRPr lang="en-US" dirty="0"/>
+          </a:p>
+        </p:txBody>
+      </p:sp>
     </p:spTree>
-    <p:extLst>
-      <p:ext uri="{BB962C8B-B14F-4D97-AF65-F5344CB8AC3E}">
-        <p14:creationId xmlns:p14="http://schemas.microsoft.com/office/powerpoint/2010/main" val="1406769010"/>
-      </p:ext>
-    </p:extLst>
   </p:cSld>
   <p:clrMapOvr>
     <a:masterClrMapping/>
   </p:clrMapOvr>
-  <mc:AlternateContent xmlns:mc="http://schemas.openxmlformats.org/markup-compatibility/2006" xmlns:p14="http://schemas.microsoft.com/office/powerpoint/2010/main">
-    <mc:Choice Requires="p14">
-      <p:transition p14:dur="0"/>
-    </mc:Choice>
-    <mc:Fallback xmlns="">
-      <p:transition/>
-    </mc:Fallback>
-  </mc:AlternateContent>
-  <p:timing>
-    <p:tnLst>
-      <p:par>
-        <p:cTn id="1" dur="indefinite" restart="never" nodeType="tmRoot"/>
-      </p:par>
-    </p:tnLst>
-  </p:timing>
+  <p:transition/>
 </p:sldLayout>
 </file>
 
@@ -2002,10 +2320,8 @@
   <p:cSld name="Title Slide">
     <p:bg>
       <p:bgPr>
-        <a:blipFill dpi="0" rotWithShape="1">
-          <a:blip r:embed="rId2" cstate="print">
-            <a:lum/>
-          </a:blip>
+        <a:blipFill dpi="0" rotWithShape="0">
+          <a:blip r:embed="rId2"/>
           <a:srcRect/>
           <a:stretch>
             <a:fillRect/>
@@ -2028,6 +2344,38 @@
           <a:chExt cx="0" cy="0"/>
         </a:xfrm>
       </p:grpSpPr>
+      <p:pic>
+        <p:nvPicPr>
+          <p:cNvPr id="4" name="Picture 2"/>
+          <p:cNvPicPr>
+            <a:picLocks noChangeAspect="1" noChangeArrowheads="1"/>
+          </p:cNvPicPr>
+          <p:nvPr userDrawn="1"/>
+        </p:nvPicPr>
+        <p:blipFill>
+          <a:blip r:embed="rId3"/>
+          <a:srcRect/>
+          <a:stretch>
+            <a:fillRect/>
+          </a:stretch>
+        </p:blipFill>
+        <p:spPr bwMode="auto">
+          <a:xfrm>
+            <a:off x="9828213" y="228600"/>
+            <a:ext cx="2174875" cy="762000"/>
+          </a:xfrm>
+          <a:prstGeom prst="rect">
+            <a:avLst/>
+          </a:prstGeom>
+          <a:noFill/>
+          <a:ln w="9525">
+            <a:noFill/>
+            <a:miter lim="800000"/>
+            <a:headEnd/>
+            <a:tailEnd/>
+          </a:ln>
+        </p:spPr>
+      </p:pic>
       <p:sp>
         <p:nvSpPr>
           <p:cNvPr id="2" name="Title 1"/>
@@ -2035,7 +2383,7 @@
             <a:spLocks noGrp="1"/>
           </p:cNvSpPr>
           <p:nvPr>
-            <p:ph type="title" hasCustomPrompt="1"/>
+            <p:ph type="title"/>
           </p:nvPr>
         </p:nvSpPr>
         <p:spPr>
@@ -2045,7 +2393,7 @@
           </a:xfrm>
         </p:spPr>
         <p:txBody>
-          <a:bodyPr lIns="36000" tIns="36000" rIns="36000" bIns="36000" anchor="b">
+          <a:bodyPr lIns="36000" rIns="36000" anchor="b">
             <a:spAutoFit/>
           </a:bodyPr>
           <a:lstStyle>
@@ -2056,7 +2404,7 @@
           <a:p>
             <a:r>
               <a:rPr lang="en-US" dirty="0" smtClean="0"/>
-              <a:t>Click to Edit Section Title</a:t>
+              <a:t>Click to edit Master title style</a:t>
             </a:r>
             <a:endParaRPr dirty="0"/>
           </a:p>
@@ -2069,7 +2417,7 @@
             <a:spLocks noGrp="1"/>
           </p:cNvSpPr>
           <p:nvPr>
-            <p:ph type="body" idx="1" hasCustomPrompt="1"/>
+            <p:ph type="body" idx="1"/>
           </p:nvPr>
         </p:nvSpPr>
         <p:spPr>
@@ -2079,7 +2427,7 @@
           </a:xfrm>
         </p:spPr>
         <p:txBody>
-          <a:bodyPr lIns="36000" tIns="36000" rIns="36000" bIns="36000" anchor="t">
+          <a:bodyPr lIns="36000" rIns="36000">
             <a:spAutoFit/>
           </a:bodyPr>
           <a:lstStyle>
@@ -2179,74 +2527,53 @@
             <a:pPr lvl="0"/>
             <a:r>
               <a:rPr lang="en-US" dirty="0" smtClean="0"/>
-              <a:t>Click to Edit Section Subtitle</a:t>
+              <a:t>Click to edit Master text styles</a:t>
             </a:r>
           </a:p>
         </p:txBody>
       </p:sp>
-      <p:pic>
-        <p:nvPicPr>
-          <p:cNvPr id="9" name="Picture 2"/>
-          <p:cNvPicPr>
-            <a:picLocks noChangeAspect="1" noChangeArrowheads="1"/>
-          </p:cNvPicPr>
-          <p:nvPr userDrawn="1"/>
-        </p:nvPicPr>
-        <p:blipFill>
-          <a:blip r:embed="rId3" cstate="print"/>
-          <a:srcRect/>
-          <a:stretch>
-            <a:fillRect/>
-          </a:stretch>
-        </p:blipFill>
-        <p:spPr bwMode="auto">
-          <a:xfrm>
-            <a:off x="9828212" y="228600"/>
-            <a:ext cx="2175525" cy="762000"/>
-          </a:xfrm>
-          <a:prstGeom prst="rect">
-            <a:avLst/>
-          </a:prstGeom>
-          <a:noFill/>
-        </p:spPr>
-      </p:pic>
     </p:spTree>
-    <p:extLst>
-      <p:ext uri="{BB962C8B-B14F-4D97-AF65-F5344CB8AC3E}">
-        <p14:creationId xmlns:p14="http://schemas.microsoft.com/office/powerpoint/2010/main" val="3616330612"/>
-      </p:ext>
-    </p:extLst>
   </p:cSld>
   <p:clrMapOvr>
     <a:masterClrMapping/>
   </p:clrMapOvr>
-  <mc:AlternateContent xmlns:mc="http://schemas.openxmlformats.org/markup-compatibility/2006" xmlns:p14="http://schemas.microsoft.com/office/powerpoint/2010/main">
-    <mc:Choice Requires="p14">
-      <p:transition p14:dur="0"/>
-    </mc:Choice>
-    <mc:Fallback xmlns="">
-      <p:transition/>
-    </mc:Fallback>
-  </mc:AlternateContent>
-  <p:timing>
-    <p:tnLst>
-      <p:par>
-        <p:cTn id="1" dur="indefinite" restart="never" nodeType="tmRoot"/>
-      </p:par>
-    </p:tnLst>
-  </p:timing>
+  <p:transition/>
 </p:sldLayout>
 </file>
 
 <file path=ppt/slideLayouts/slideLayout4.xml><?xml version="1.0" encoding="utf-8"?>
 <p:sldLayout xmlns:a="http://schemas.openxmlformats.org/drawingml/2006/main" xmlns:r="http://schemas.openxmlformats.org/officeDocument/2006/relationships" xmlns:p="http://schemas.openxmlformats.org/presentationml/2006/main" type="blank" preserve="1">
   <p:cSld name="Blank Slide">
+    <p:spTree>
+      <p:nvGrpSpPr>
+        <p:cNvPr id="1" name=""/>
+        <p:cNvGrpSpPr/>
+        <p:nvPr/>
+      </p:nvGrpSpPr>
+      <p:grpSpPr>
+        <a:xfrm>
+          <a:off x="0" y="0"/>
+          <a:ext cx="0" cy="0"/>
+          <a:chOff x="0" y="0"/>
+          <a:chExt cx="0" cy="0"/>
+        </a:xfrm>
+      </p:grpSpPr>
+    </p:spTree>
+  </p:cSld>
+  <p:clrMapOvr>
+    <a:masterClrMapping/>
+  </p:clrMapOvr>
+  <p:transition/>
+</p:sldLayout>
+</file>
+
+<file path=ppt/slideMasters/slideMaster1.xml><?xml version="1.0" encoding="utf-8"?>
+<p:sldMaster xmlns:a="http://schemas.openxmlformats.org/drawingml/2006/main" xmlns:r="http://schemas.openxmlformats.org/officeDocument/2006/relationships" xmlns:p="http://schemas.openxmlformats.org/presentationml/2006/main">
+  <p:cSld>
     <p:bg>
       <p:bgPr>
-        <a:blipFill dpi="0" rotWithShape="1">
-          <a:blip r:embed="rId2" cstate="print">
-            <a:lum/>
-          </a:blip>
+        <a:blipFill dpi="0" rotWithShape="0">
+          <a:blip r:embed="rId6"/>
           <a:srcRect/>
           <a:stretch>
             <a:fillRect/>
@@ -2269,65 +2596,6 @@
           <a:chExt cx="0" cy="0"/>
         </a:xfrm>
       </p:grpSpPr>
-    </p:spTree>
-    <p:extLst>
-      <p:ext uri="{BB962C8B-B14F-4D97-AF65-F5344CB8AC3E}">
-        <p14:creationId xmlns:p14="http://schemas.microsoft.com/office/powerpoint/2010/main" val="2172478503"/>
-      </p:ext>
-    </p:extLst>
-  </p:cSld>
-  <p:clrMapOvr>
-    <a:masterClrMapping/>
-  </p:clrMapOvr>
-  <mc:AlternateContent xmlns:mc="http://schemas.openxmlformats.org/markup-compatibility/2006" xmlns:p14="http://schemas.microsoft.com/office/powerpoint/2010/main">
-    <mc:Choice Requires="p14">
-      <p:transition p14:dur="0"/>
-    </mc:Choice>
-    <mc:Fallback xmlns="">
-      <p:transition/>
-    </mc:Fallback>
-  </mc:AlternateContent>
-  <p:timing>
-    <p:tnLst>
-      <p:par>
-        <p:cTn id="1" dur="indefinite" restart="never" nodeType="tmRoot"/>
-      </p:par>
-    </p:tnLst>
-  </p:timing>
-</p:sldLayout>
-</file>
-
-<file path=ppt/slideMasters/slideMaster1.xml><?xml version="1.0" encoding="utf-8"?>
-<p:sldMaster xmlns:a="http://schemas.openxmlformats.org/drawingml/2006/main" xmlns:r="http://schemas.openxmlformats.org/officeDocument/2006/relationships" xmlns:p="http://schemas.openxmlformats.org/presentationml/2006/main">
-  <p:cSld>
-    <p:bg>
-      <p:bgPr>
-        <a:blipFill dpi="0" rotWithShape="1">
-          <a:blip r:embed="rId6" cstate="print">
-            <a:lum/>
-          </a:blip>
-          <a:srcRect/>
-          <a:stretch>
-            <a:fillRect/>
-          </a:stretch>
-        </a:blipFill>
-        <a:effectLst/>
-      </p:bgPr>
-    </p:bg>
-    <p:spTree>
-      <p:nvGrpSpPr>
-        <p:cNvPr id="1" name=""/>
-        <p:cNvGrpSpPr/>
-        <p:nvPr/>
-      </p:nvGrpSpPr>
-      <p:grpSpPr>
-        <a:xfrm>
-          <a:off x="0" y="0"/>
-          <a:ext cx="0" cy="0"/>
-          <a:chOff x="0" y="0"/>
-          <a:chExt cx="0" cy="0"/>
-        </a:xfrm>
-      </p:grpSpPr>
       <p:sp>
         <p:nvSpPr>
           <p:cNvPr id="4" name="Date Placeholder 3"/>
@@ -2340,8 +2608,8 @@
         </p:nvSpPr>
         <p:spPr>
           <a:xfrm>
-            <a:off x="188814" y="6525002"/>
-            <a:ext cx="1223999" cy="196477"/>
+            <a:off x="188913" y="6524625"/>
+            <a:ext cx="1223962" cy="196850"/>
           </a:xfrm>
           <a:prstGeom prst="rect">
             <a:avLst/>
@@ -2350,21 +2618,34 @@
         <p:txBody>
           <a:bodyPr vert="horz" lIns="36000" tIns="36000" rIns="36000" bIns="36000" rtlCol="0" anchor="ctr"/>
           <a:lstStyle>
-            <a:lvl1pPr algn="l">
-              <a:defRPr sz="1000">
+            <a:lvl1pPr algn="l" defTabSz="1218987" fontAlgn="auto">
+              <a:spcBef>
+                <a:spcPts val="0"/>
+              </a:spcBef>
+              <a:spcAft>
+                <a:spcPts val="0"/>
+              </a:spcAft>
+              <a:defRPr sz="1000" smtClean="0">
                 <a:solidFill>
                   <a:schemeClr val="tx1">
                     <a:tint val="75000"/>
                   </a:schemeClr>
                 </a:solidFill>
+                <a:latin typeface="+mn-lt"/>
+                <a:cs typeface="+mn-cs"/>
               </a:defRPr>
             </a:lvl1pPr>
           </a:lstStyle>
           <a:p>
-            <a:fld id="{055373AC-9AA7-423B-BA00-BA1C74164DBD}" type="datetime1">
-              <a:rPr lang="en-US" smtClean="0"/>
-              <a:pPr/>
-              <a:t>31-Jul-14</a:t>
+            <a:pPr>
+              <a:defRPr/>
+            </a:pPr>
+            <a:fld id="{11976558-4585-48B6-8C8A-5564E0142538}" type="datetime1">
+              <a:rPr lang="en-US"/>
+              <a:pPr>
+                <a:defRPr/>
+              </a:pPr>
+              <a:t>7/31/2014</a:t>
             </a:fld>
             <a:endParaRPr lang="en-US" dirty="0"/>
           </a:p>
@@ -2382,8 +2663,8 @@
         </p:nvSpPr>
         <p:spPr>
           <a:xfrm>
-            <a:off x="1414412" y="6525002"/>
-            <a:ext cx="10150400" cy="196477"/>
+            <a:off x="1414463" y="6524625"/>
+            <a:ext cx="10150475" cy="196850"/>
           </a:xfrm>
           <a:prstGeom prst="rect">
             <a:avLst/>
@@ -2392,18 +2673,29 @@
         <p:txBody>
           <a:bodyPr vert="horz" lIns="36000" tIns="36000" rIns="36000" bIns="36000" rtlCol="0" anchor="ctr"/>
           <a:lstStyle>
-            <a:lvl1pPr algn="ctr">
-              <a:defRPr sz="1000">
+            <a:lvl1pPr algn="ctr" defTabSz="1218987" fontAlgn="auto">
+              <a:spcBef>
+                <a:spcPts val="0"/>
+              </a:spcBef>
+              <a:spcAft>
+                <a:spcPts val="0"/>
+              </a:spcAft>
+              <a:defRPr sz="1000" dirty="0">
                 <a:solidFill>
                   <a:schemeClr val="tx1">
                     <a:tint val="75000"/>
                   </a:schemeClr>
                 </a:solidFill>
+                <a:latin typeface="+mn-lt"/>
+                <a:cs typeface="+mn-cs"/>
               </a:defRPr>
             </a:lvl1pPr>
           </a:lstStyle>
           <a:p>
-            <a:endParaRPr lang="en-US" dirty="0"/>
+            <a:pPr>
+              <a:defRPr/>
+            </a:pPr>
+            <a:endParaRPr lang="en-US"/>
           </a:p>
         </p:txBody>
       </p:sp>
@@ -2419,8 +2711,8 @@
         </p:nvSpPr>
         <p:spPr>
           <a:xfrm>
-            <a:off x="11566412" y="6525002"/>
-            <a:ext cx="428822" cy="196477"/>
+            <a:off x="11566525" y="6524625"/>
+            <a:ext cx="428625" cy="196850"/>
           </a:xfrm>
           <a:prstGeom prst="rect">
             <a:avLst/>
@@ -2429,20 +2721,33 @@
         <p:txBody>
           <a:bodyPr vert="horz" lIns="36000" tIns="36000" rIns="36000" bIns="36000" rtlCol="0" anchor="ctr"/>
           <a:lstStyle>
-            <a:lvl1pPr algn="r">
-              <a:defRPr sz="1000">
+            <a:lvl1pPr algn="r" defTabSz="1218987" fontAlgn="auto">
+              <a:spcBef>
+                <a:spcPts val="0"/>
+              </a:spcBef>
+              <a:spcAft>
+                <a:spcPts val="0"/>
+              </a:spcAft>
+              <a:defRPr sz="1000" smtClean="0">
                 <a:solidFill>
                   <a:schemeClr val="tx1">
                     <a:tint val="75000"/>
                   </a:schemeClr>
                 </a:solidFill>
+                <a:latin typeface="+mn-lt"/>
+                <a:cs typeface="+mn-cs"/>
               </a:defRPr>
             </a:lvl1pPr>
           </a:lstStyle>
           <a:p>
-            <a:fld id="{C014DD1E-5D91-48A3-AD6D-45FBA980D106}" type="slidenum">
-              <a:rPr lang="en-US" smtClean="0"/>
-              <a:pPr/>
+            <a:pPr>
+              <a:defRPr/>
+            </a:pPr>
+            <a:fld id="{9FD5ECF4-708D-4F5E-A6C8-D842777CB5B6}" type="slidenum">
+              <a:rPr lang="en-US"/>
+              <a:pPr>
+                <a:defRPr/>
+              </a:pPr>
               <a:t>‹#›</a:t>
             </a:fld>
             <a:endParaRPr lang="en-US" dirty="0"/>
@@ -2451,7 +2756,7 @@
       </p:sp>
       <p:sp>
         <p:nvSpPr>
-          <p:cNvPr id="2" name="Title Placeholder 1"/>
+          <p:cNvPr id="1029" name="Title Placeholder 1"/>
           <p:cNvSpPr>
             <a:spLocks noGrp="1"/>
           </p:cNvSpPr>
@@ -2459,32 +2764,42 @@
             <p:ph type="title"/>
           </p:nvPr>
         </p:nvSpPr>
-        <p:spPr>
+        <p:spPr bwMode="auto">
           <a:xfrm>
-            <a:off x="190403" y="39574"/>
-            <a:ext cx="11806432" cy="1111549"/>
+            <a:off x="190500" y="39688"/>
+            <a:ext cx="11806238" cy="1111250"/>
           </a:xfrm>
           <a:prstGeom prst="rect">
             <a:avLst/>
           </a:prstGeom>
+          <a:noFill/>
+          <a:ln w="9525">
+            <a:noFill/>
+            <a:miter lim="800000"/>
+            <a:headEnd/>
+            <a:tailEnd/>
+          </a:ln>
         </p:spPr>
         <p:txBody>
-          <a:bodyPr vert="horz" lIns="108000" tIns="36000" rIns="108000" bIns="36000" rtlCol="0" anchor="ctr" anchorCtr="0">
-            <a:normAutofit/>
+          <a:bodyPr vert="horz" wrap="square" lIns="108000" tIns="36000" rIns="108000" bIns="36000" numCol="1" anchor="ctr" anchorCtr="0" compatLnSpc="1">
+            <a:prstTxWarp prst="textNoShape">
+              <a:avLst/>
+            </a:prstTxWarp>
           </a:bodyPr>
           <a:lstStyle/>
           <a:p>
-            <a:r>
-              <a:rPr lang="en-US" dirty="0" smtClean="0"/>
+            <a:pPr lvl="0"/>
+            <a:r>
+              <a:rPr lang="en-US" smtClean="0"/>
               <a:t>Click to Edit Master Title Style</a:t>
             </a:r>
-            <a:endParaRPr dirty="0"/>
+            <a:endParaRPr lang="bg-BG" smtClean="0"/>
           </a:p>
         </p:txBody>
       </p:sp>
       <p:sp>
         <p:nvSpPr>
-          <p:cNvPr id="3" name="Text Placeholder 2"/>
+          <p:cNvPr id="1030" name="Text Placeholder 2"/>
           <p:cNvSpPr>
             <a:spLocks noGrp="1"/>
           </p:cNvSpPr>
@@ -2492,80 +2807,77 @@
             <p:ph type="body" idx="1"/>
           </p:nvPr>
         </p:nvSpPr>
-        <p:spPr>
+        <p:spPr bwMode="auto">
           <a:xfrm>
-            <a:off x="190413" y="1151123"/>
-            <a:ext cx="11804822" cy="5570353"/>
+            <a:off x="190500" y="1150938"/>
+            <a:ext cx="11804650" cy="5570537"/>
           </a:xfrm>
           <a:prstGeom prst="rect">
             <a:avLst/>
           </a:prstGeom>
+          <a:noFill/>
+          <a:ln w="9525">
+            <a:noFill/>
+            <a:miter lim="800000"/>
+            <a:headEnd/>
+            <a:tailEnd/>
+          </a:ln>
         </p:spPr>
         <p:txBody>
-          <a:bodyPr vert="horz" lIns="108000" tIns="36000" rIns="108000" bIns="36000" rtlCol="0">
-            <a:normAutofit/>
+          <a:bodyPr vert="horz" wrap="square" lIns="108000" tIns="36000" rIns="108000" bIns="36000" numCol="1" anchor="t" anchorCtr="0" compatLnSpc="1">
+            <a:prstTxWarp prst="textNoShape">
+              <a:avLst/>
+            </a:prstTxWarp>
           </a:bodyPr>
           <a:lstStyle/>
           <a:p>
             <a:pPr lvl="0"/>
             <a:r>
-              <a:rPr lang="en-US" dirty="0" smtClean="0"/>
+              <a:rPr lang="en-US" smtClean="0"/>
               <a:t>First Level</a:t>
             </a:r>
           </a:p>
           <a:p>
             <a:pPr lvl="1"/>
             <a:r>
-              <a:rPr lang="en-US" dirty="0" smtClean="0"/>
+              <a:rPr lang="en-US" smtClean="0"/>
               <a:t>Second Level</a:t>
             </a:r>
           </a:p>
           <a:p>
             <a:pPr lvl="2"/>
             <a:r>
-              <a:rPr lang="en-US" dirty="0" smtClean="0"/>
+              <a:rPr lang="en-US" smtClean="0"/>
               <a:t>Third Level</a:t>
             </a:r>
           </a:p>
           <a:p>
             <a:pPr lvl="3"/>
             <a:r>
-              <a:rPr lang="en-US" dirty="0" smtClean="0"/>
+              <a:rPr lang="en-US" smtClean="0"/>
               <a:t>Fourth Level</a:t>
             </a:r>
           </a:p>
           <a:p>
             <a:pPr lvl="4"/>
             <a:r>
-              <a:rPr lang="en-US" dirty="0" smtClean="0"/>
+              <a:rPr lang="en-US" smtClean="0"/>
               <a:t>Fifth Level</a:t>
             </a:r>
-            <a:endParaRPr dirty="0"/>
+            <a:endParaRPr lang="bg-BG" smtClean="0"/>
           </a:p>
         </p:txBody>
       </p:sp>
     </p:spTree>
-    <p:extLst>
-      <p:ext uri="{BB962C8B-B14F-4D97-AF65-F5344CB8AC3E}">
-        <p14:creationId xmlns:p14="http://schemas.microsoft.com/office/powerpoint/2010/main" val="1395275884"/>
-      </p:ext>
-    </p:extLst>
   </p:cSld>
   <p:clrMap bg1="dk1" tx1="lt1" bg2="dk2" tx2="lt2" accent1="accent1" accent2="accent2" accent3="accent3" accent4="accent4" accent5="accent5" accent6="accent6" hlink="hlink" folHlink="folHlink"/>
   <p:sldLayoutIdLst>
-    <p:sldLayoutId id="2147483661" r:id="rId1"/>
-    <p:sldLayoutId id="2147483662" r:id="rId2"/>
-    <p:sldLayoutId id="2147483663" r:id="rId3"/>
-    <p:sldLayoutId id="2147483667" r:id="rId4"/>
+    <p:sldLayoutId id="2147483665" r:id="rId1"/>
+    <p:sldLayoutId id="2147483666" r:id="rId2"/>
+    <p:sldLayoutId id="2147483667" r:id="rId3"/>
+    <p:sldLayoutId id="2147483668" r:id="rId4"/>
   </p:sldLayoutIdLst>
-  <mc:AlternateContent xmlns:mc="http://schemas.openxmlformats.org/markup-compatibility/2006" xmlns:p14="http://schemas.microsoft.com/office/powerpoint/2010/main">
-    <mc:Choice Requires="p14">
-      <p:transition p14:dur="0"/>
-    </mc:Choice>
-    <mc:Fallback xmlns="">
-      <p:transition/>
-    </mc:Fallback>
-  </mc:AlternateContent>
+  <p:transition/>
   <p:timing>
     <p:tnLst>
       <p:par>
@@ -2576,14 +2888,16 @@
   <p:hf hdr="0" ftr="0" dt="0"/>
   <p:txStyles>
     <p:titleStyle>
-      <a:lvl1pPr algn="l" defTabSz="1218987" rtl="0" eaLnBrk="1" latinLnBrk="0" hangingPunct="1">
+      <a:lvl1pPr algn="l" defTabSz="1217613" rtl="0" fontAlgn="base">
         <a:lnSpc>
           <a:spcPct val="90000"/>
         </a:lnSpc>
         <a:spcBef>
           <a:spcPct val="0"/>
         </a:spcBef>
-        <a:buNone/>
+        <a:spcAft>
+          <a:spcPct val="0"/>
+        </a:spcAft>
         <a:defRPr sz="4000" b="1" kern="1200">
           <a:solidFill>
             <a:srgbClr val="F3BE60"/>
@@ -2593,9 +2907,145 @@
           <a:cs typeface="+mj-cs"/>
         </a:defRPr>
       </a:lvl1pPr>
+      <a:lvl2pPr algn="l" defTabSz="1217613" rtl="0" fontAlgn="base">
+        <a:lnSpc>
+          <a:spcPct val="90000"/>
+        </a:lnSpc>
+        <a:spcBef>
+          <a:spcPct val="0"/>
+        </a:spcBef>
+        <a:spcAft>
+          <a:spcPct val="0"/>
+        </a:spcAft>
+        <a:defRPr sz="4000" b="1">
+          <a:solidFill>
+            <a:srgbClr val="F3BE60"/>
+          </a:solidFill>
+          <a:latin typeface="Calibri" pitchFamily="34" charset="0"/>
+        </a:defRPr>
+      </a:lvl2pPr>
+      <a:lvl3pPr algn="l" defTabSz="1217613" rtl="0" fontAlgn="base">
+        <a:lnSpc>
+          <a:spcPct val="90000"/>
+        </a:lnSpc>
+        <a:spcBef>
+          <a:spcPct val="0"/>
+        </a:spcBef>
+        <a:spcAft>
+          <a:spcPct val="0"/>
+        </a:spcAft>
+        <a:defRPr sz="4000" b="1">
+          <a:solidFill>
+            <a:srgbClr val="F3BE60"/>
+          </a:solidFill>
+          <a:latin typeface="Calibri" pitchFamily="34" charset="0"/>
+        </a:defRPr>
+      </a:lvl3pPr>
+      <a:lvl4pPr algn="l" defTabSz="1217613" rtl="0" fontAlgn="base">
+        <a:lnSpc>
+          <a:spcPct val="90000"/>
+        </a:lnSpc>
+        <a:spcBef>
+          <a:spcPct val="0"/>
+        </a:spcBef>
+        <a:spcAft>
+          <a:spcPct val="0"/>
+        </a:spcAft>
+        <a:defRPr sz="4000" b="1">
+          <a:solidFill>
+            <a:srgbClr val="F3BE60"/>
+          </a:solidFill>
+          <a:latin typeface="Calibri" pitchFamily="34" charset="0"/>
+        </a:defRPr>
+      </a:lvl4pPr>
+      <a:lvl5pPr algn="l" defTabSz="1217613" rtl="0" fontAlgn="base">
+        <a:lnSpc>
+          <a:spcPct val="90000"/>
+        </a:lnSpc>
+        <a:spcBef>
+          <a:spcPct val="0"/>
+        </a:spcBef>
+        <a:spcAft>
+          <a:spcPct val="0"/>
+        </a:spcAft>
+        <a:defRPr sz="4000" b="1">
+          <a:solidFill>
+            <a:srgbClr val="F3BE60"/>
+          </a:solidFill>
+          <a:latin typeface="Calibri" pitchFamily="34" charset="0"/>
+        </a:defRPr>
+      </a:lvl5pPr>
+      <a:lvl6pPr marL="457200" algn="l" defTabSz="1217613" rtl="0" fontAlgn="base">
+        <a:lnSpc>
+          <a:spcPct val="90000"/>
+        </a:lnSpc>
+        <a:spcBef>
+          <a:spcPct val="0"/>
+        </a:spcBef>
+        <a:spcAft>
+          <a:spcPct val="0"/>
+        </a:spcAft>
+        <a:defRPr sz="4000" b="1">
+          <a:solidFill>
+            <a:srgbClr val="F3BE60"/>
+          </a:solidFill>
+          <a:latin typeface="Calibri" pitchFamily="34" charset="0"/>
+        </a:defRPr>
+      </a:lvl6pPr>
+      <a:lvl7pPr marL="914400" algn="l" defTabSz="1217613" rtl="0" fontAlgn="base">
+        <a:lnSpc>
+          <a:spcPct val="90000"/>
+        </a:lnSpc>
+        <a:spcBef>
+          <a:spcPct val="0"/>
+        </a:spcBef>
+        <a:spcAft>
+          <a:spcPct val="0"/>
+        </a:spcAft>
+        <a:defRPr sz="4000" b="1">
+          <a:solidFill>
+            <a:srgbClr val="F3BE60"/>
+          </a:solidFill>
+          <a:latin typeface="Calibri" pitchFamily="34" charset="0"/>
+        </a:defRPr>
+      </a:lvl7pPr>
+      <a:lvl8pPr marL="1371600" algn="l" defTabSz="1217613" rtl="0" fontAlgn="base">
+        <a:lnSpc>
+          <a:spcPct val="90000"/>
+        </a:lnSpc>
+        <a:spcBef>
+          <a:spcPct val="0"/>
+        </a:spcBef>
+        <a:spcAft>
+          <a:spcPct val="0"/>
+        </a:spcAft>
+        <a:defRPr sz="4000" b="1">
+          <a:solidFill>
+            <a:srgbClr val="F3BE60"/>
+          </a:solidFill>
+          <a:latin typeface="Calibri" pitchFamily="34" charset="0"/>
+        </a:defRPr>
+      </a:lvl8pPr>
+      <a:lvl9pPr marL="1828800" algn="l" defTabSz="1217613" rtl="0" fontAlgn="base">
+        <a:lnSpc>
+          <a:spcPct val="90000"/>
+        </a:lnSpc>
+        <a:spcBef>
+          <a:spcPct val="0"/>
+        </a:spcBef>
+        <a:spcAft>
+          <a:spcPct val="0"/>
+        </a:spcAft>
+        <a:defRPr sz="4000" b="1">
+          <a:solidFill>
+            <a:srgbClr val="F3BE60"/>
+          </a:solidFill>
+          <a:latin typeface="Calibri" pitchFamily="34" charset="0"/>
+        </a:defRPr>
+      </a:lvl9pPr>
     </p:titleStyle>
     <p:bodyStyle>
-      <a:lvl1pPr marL="304747" indent="-304747" algn="l" defTabSz="1218987" rtl="0" eaLnBrk="1" latinLnBrk="0" hangingPunct="1">
+      <a:lvl1pPr marL="303213" indent="-303213" algn="l" defTabSz="1217613" rtl="0" fontAlgn="base">
         <a:lnSpc>
           <a:spcPct val="105000"/>
         </a:lnSpc>
@@ -2609,9 +3059,9 @@
           <a:srgbClr val="F2B254"/>
         </a:buClr>
         <a:buSzPct val="100000"/>
-        <a:buFont typeface="Wingdings" panose="05000000000000000000" pitchFamily="2" charset="2"/>
+        <a:buFont typeface="Wingdings" pitchFamily="2" charset="2"/>
         <a:buChar char="§"/>
-        <a:defRPr sz="3400" b="0" kern="1200">
+        <a:defRPr sz="3400" kern="1200">
           <a:solidFill>
             <a:schemeClr val="tx1"/>
           </a:solidFill>
@@ -2620,7 +3070,7 @@
           <a:cs typeface="+mn-cs"/>
         </a:defRPr>
       </a:lvl1pPr>
-      <a:lvl2pPr marL="609493" indent="-231606" algn="l" defTabSz="1218987" rtl="0" eaLnBrk="1" latinLnBrk="0" hangingPunct="1">
+      <a:lvl2pPr marL="608013" indent="-230188" algn="l" defTabSz="1217613" rtl="0" fontAlgn="base">
         <a:lnSpc>
           <a:spcPct val="105000"/>
         </a:lnSpc>
@@ -2634,9 +3084,9 @@
           <a:schemeClr val="accent1"/>
         </a:buClr>
         <a:buSzPct val="80000"/>
-        <a:buFont typeface="Wingdings" panose="05000000000000000000" pitchFamily="2" charset="2"/>
+        <a:buFont typeface="Wingdings" pitchFamily="2" charset="2"/>
         <a:buChar char="§"/>
-        <a:defRPr sz="3200" b="0" kern="1200">
+        <a:defRPr sz="3200" kern="1200">
           <a:solidFill>
             <a:schemeClr val="tx1"/>
           </a:solidFill>
@@ -2645,7 +3095,7 @@
           <a:cs typeface="+mn-cs"/>
         </a:defRPr>
       </a:lvl2pPr>
-      <a:lvl3pPr marL="914240" indent="-231606" algn="l" defTabSz="1218987" rtl="0" eaLnBrk="1" latinLnBrk="0" hangingPunct="1">
+      <a:lvl3pPr marL="912813" indent="-230188" algn="l" defTabSz="1217613" rtl="0" fontAlgn="base">
         <a:lnSpc>
           <a:spcPct val="105000"/>
         </a:lnSpc>
@@ -2659,9 +3109,9 @@
           <a:srgbClr val="EF9A1D"/>
         </a:buClr>
         <a:buSzPct val="80000"/>
-        <a:buFont typeface="Wingdings" panose="05000000000000000000" pitchFamily="2" charset="2"/>
+        <a:buFont typeface="Wingdings" pitchFamily="2" charset="2"/>
         <a:buChar char="§"/>
-        <a:defRPr sz="3000" b="0" kern="1200">
+        <a:defRPr sz="3000" kern="1200">
           <a:solidFill>
             <a:schemeClr val="tx1"/>
           </a:solidFill>
@@ -2670,7 +3120,7 @@
           <a:cs typeface="+mn-cs"/>
         </a:defRPr>
       </a:lvl3pPr>
-      <a:lvl4pPr marL="1218987" indent="-231606" algn="l" defTabSz="1218987" rtl="0" eaLnBrk="1" latinLnBrk="0" hangingPunct="1">
+      <a:lvl4pPr marL="1217613" indent="-230188" algn="l" defTabSz="1217613" rtl="0" fontAlgn="base">
         <a:lnSpc>
           <a:spcPct val="105000"/>
         </a:lnSpc>
@@ -2684,9 +3134,9 @@
           <a:srgbClr val="ED9411"/>
         </a:buClr>
         <a:buSzPct val="80000"/>
-        <a:buFont typeface="Wingdings" panose="05000000000000000000" pitchFamily="2" charset="2"/>
+        <a:buFont typeface="Wingdings" pitchFamily="2" charset="2"/>
         <a:buChar char="§"/>
-        <a:defRPr sz="2800" b="0" kern="1200">
+        <a:defRPr sz="2800" kern="1200">
           <a:solidFill>
             <a:schemeClr val="tx1"/>
           </a:solidFill>
@@ -2695,7 +3145,7 @@
           <a:cs typeface="+mn-cs"/>
         </a:defRPr>
       </a:lvl4pPr>
-      <a:lvl5pPr marL="1523733" indent="-231606" algn="l" defTabSz="1218987" rtl="0" eaLnBrk="1" latinLnBrk="0" hangingPunct="1">
+      <a:lvl5pPr marL="1522413" indent="-230188" algn="l" defTabSz="1217613" rtl="0" fontAlgn="base">
         <a:lnSpc>
           <a:spcPct val="105000"/>
         </a:lnSpc>
@@ -2709,9 +3159,9 @@
           <a:srgbClr val="E28D10"/>
         </a:buClr>
         <a:buSzPct val="80000"/>
-        <a:buFont typeface="Wingdings" panose="05000000000000000000" pitchFamily="2" charset="2"/>
+        <a:buFont typeface="Wingdings" pitchFamily="2" charset="2"/>
         <a:buChar char="§"/>
-        <a:defRPr sz="2600" b="0" kern="1200">
+        <a:defRPr sz="2600" kern="1200">
           <a:solidFill>
             <a:schemeClr val="tx1"/>
           </a:solidFill>
@@ -2905,22 +3355,6 @@
       </a:lvl9pPr>
     </p:otherStyle>
   </p:txStyles>
-  <p:extLst mod="1">
-    <p:ext uri="{27BBF7A9-308A-43DC-89C8-2F10F3537804}">
-      <p15:sldGuideLst xmlns:p15="http://schemas.microsoft.com/office/powerpoint/2012/main">
-        <p15:guide id="1" orient="horz" pos="2160" userDrawn="1">
-          <p15:clr>
-            <a:srgbClr val="F26B43"/>
-          </p15:clr>
-        </p15:guide>
-        <p15:guide id="2" pos="1843" userDrawn="1">
-          <p15:clr>
-            <a:srgbClr val="F26B43"/>
-          </p15:clr>
-        </p15:guide>
-      </p15:sldGuideLst>
-    </p:ext>
-  </p:extLst>
 </p:sldMaster>
 </file>
 
@@ -2943,7 +3377,7 @@
       </p:grpSpPr>
       <p:sp>
         <p:nvSpPr>
-          <p:cNvPr id="5" name="Title 4"/>
+          <p:cNvPr id="8193" name="Title 4"/>
           <p:cNvSpPr>
             <a:spLocks noGrp="1"/>
           </p:cNvSpPr>
@@ -2953,21 +3387,18 @@
         </p:nvSpPr>
         <p:spPr>
           <a:xfrm>
-            <a:off x="4189412" y="457200"/>
-            <a:ext cx="7382341" cy="1476352"/>
+            <a:off x="4189413" y="457200"/>
+            <a:ext cx="7381875" cy="1476375"/>
           </a:xfrm>
         </p:spPr>
         <p:txBody>
-          <a:bodyPr>
-            <a:normAutofit/>
-          </a:bodyPr>
+          <a:bodyPr/>
           <a:lstStyle/>
           <a:p>
             <a:r>
-              <a:rPr lang="en-US" dirty="0" smtClean="0"/>
+              <a:rPr lang="en-US" smtClean="0"/>
               <a:t>JavaScript</a:t>
             </a:r>
-            <a:endParaRPr lang="en-US" dirty="0"/>
           </a:p>
         </p:txBody>
       </p:sp>
@@ -2983,30 +3414,39 @@
         </p:nvSpPr>
         <p:spPr>
           <a:xfrm>
-            <a:off x="4875212" y="2895600"/>
-            <a:ext cx="6696541" cy="609600"/>
+            <a:off x="3808413" y="2743200"/>
+            <a:ext cx="8153400" cy="609600"/>
           </a:xfrm>
         </p:spPr>
         <p:txBody>
-          <a:bodyPr>
-            <a:normAutofit fontScale="77500" lnSpcReduction="20000"/>
-          </a:bodyPr>
+          <a:bodyPr/>
           <a:lstStyle/>
           <a:p>
-            <a:r>
-              <a:rPr lang="en-US" dirty="0" smtClean="0">
+            <a:pPr>
+              <a:lnSpc>
+                <a:spcPct val="85000"/>
+              </a:lnSpc>
+              <a:spcBef>
+                <a:spcPct val="0"/>
+              </a:spcBef>
+            </a:pPr>
+            <a:r>
+              <a:rPr lang="en-US" sz="3400" smtClean="0">
                 <a:solidFill>
-                  <a:srgbClr val="E85C0E"/>
+                  <a:schemeClr val="tx1"/>
                 </a:solidFill>
                 <a:hlinkClick r:id="rId3"/>
               </a:rPr>
-              <a:t>http://nakman.spirtuni.cloudvps.bg</a:t>
-            </a:r>
-            <a:endParaRPr lang="en-US" dirty="0">
-              <a:solidFill>
-                <a:srgbClr val="E85C0E"/>
-              </a:solidFill>
-            </a:endParaRPr>
+              <a:t>http://meandmy.softuni-friends.org/NakMan/</a:t>
+            </a:r>
+            <a:r>
+              <a:rPr lang="en-US" sz="3400" smtClean="0">
+                <a:solidFill>
+                  <a:schemeClr val="tx1"/>
+                </a:solidFill>
+              </a:rPr>
+              <a:t> </a:t>
+            </a:r>
           </a:p>
         </p:txBody>
       </p:sp>
@@ -3022,8 +3462,8 @@
         </p:nvSpPr>
         <p:spPr>
           <a:xfrm>
-            <a:off x="760411" y="1905000"/>
-            <a:ext cx="5341829" cy="783269"/>
+            <a:off x="760413" y="1905000"/>
+            <a:ext cx="5341937" cy="782638"/>
           </a:xfrm>
         </p:spPr>
         <p:txBody>
@@ -3032,8 +3472,11 @@
           </a:bodyPr>
           <a:lstStyle/>
           <a:p>
-            <a:r>
-              <a:rPr lang="en-US" sz="4800" dirty="0" smtClean="0">
+            <a:pPr defTabSz="1218987">
+              <a:defRPr/>
+            </a:pPr>
+            <a:r>
+              <a:rPr sz="4800">
                 <a:solidFill>
                   <a:srgbClr val="E85C0E"/>
                 </a:solidFill>
@@ -3041,7 +3484,7 @@
               <a:t>Team</a:t>
             </a:r>
             <a:r>
-              <a:rPr lang="en-US" sz="3600" dirty="0">
+              <a:rPr sz="3600">
                 <a:solidFill>
                   <a:srgbClr val="E85C0E"/>
                 </a:solidFill>
@@ -3049,14 +3492,14 @@
               <a:t> </a:t>
             </a:r>
             <a:r>
-              <a:rPr lang="en-US" sz="4800" dirty="0" smtClean="0">
+              <a:rPr sz="4800">
                 <a:solidFill>
                   <a:srgbClr val="E85C0E"/>
                 </a:solidFill>
               </a:rPr>
               <a:t>Cymbidium Orchid</a:t>
             </a:r>
-            <a:endParaRPr lang="en-US" sz="4800" dirty="0">
+            <a:endParaRPr sz="4800">
               <a:solidFill>
                 <a:srgbClr val="E85C0E"/>
               </a:solidFill>
@@ -3066,7 +3509,7 @@
       </p:sp>
       <p:sp>
         <p:nvSpPr>
-          <p:cNvPr id="11" name="Text Placeholder 10"/>
+          <p:cNvPr id="8196" name="Text Placeholder 10"/>
           <p:cNvSpPr>
             <a:spLocks noGrp="1"/>
           </p:cNvSpPr>
@@ -3076,8 +3519,8 @@
         </p:nvSpPr>
         <p:spPr>
           <a:xfrm>
-            <a:off x="760412" y="2971800"/>
-            <a:ext cx="3187613" cy="525135"/>
+            <a:off x="760413" y="2971800"/>
+            <a:ext cx="3187700" cy="525463"/>
           </a:xfrm>
         </p:spPr>
         <p:txBody>
@@ -3085,7 +3528,7 @@
           <a:lstStyle/>
           <a:p>
             <a:r>
-              <a:rPr lang="en-US" sz="2800" dirty="0">
+              <a:rPr sz="2800">
                 <a:solidFill>
                   <a:srgbClr val="E85C0E"/>
                 </a:solidFill>
@@ -3093,7 +3536,7 @@
               <a:t>Software</a:t>
             </a:r>
             <a:r>
-              <a:rPr lang="en-US" dirty="0">
+              <a:rPr>
                 <a:solidFill>
                   <a:srgbClr val="E85C0E"/>
                 </a:solidFill>
@@ -3101,18 +3544,13 @@
               <a:t> </a:t>
             </a:r>
             <a:r>
-              <a:rPr lang="en-US" sz="2800" dirty="0" smtClean="0">
+              <a:rPr sz="2800">
                 <a:solidFill>
                   <a:srgbClr val="E85C0E"/>
                 </a:solidFill>
               </a:rPr>
               <a:t>University</a:t>
             </a:r>
-            <a:endParaRPr lang="en-US" sz="2800" dirty="0">
-              <a:solidFill>
-                <a:srgbClr val="E85C0E"/>
-              </a:solidFill>
-            </a:endParaRPr>
           </a:p>
         </p:txBody>
       </p:sp>
@@ -3126,20 +3564,20 @@
         </p:nvSpPr>
         <p:spPr>
           <a:xfrm>
-            <a:off x="5027612" y="2057400"/>
-            <a:ext cx="6544141" cy="609600"/>
+            <a:off x="5027613" y="2057400"/>
+            <a:ext cx="6543675" cy="609600"/>
           </a:xfrm>
           <a:prstGeom prst="rect">
             <a:avLst/>
           </a:prstGeom>
         </p:spPr>
         <p:txBody>
-          <a:bodyPr vert="horz" lIns="0" tIns="0" rIns="0" bIns="0" rtlCol="0">
+          <a:bodyPr lIns="0" tIns="0" rIns="0" bIns="0">
             <a:normAutofit lnSpcReduction="10000"/>
           </a:bodyPr>
           <a:lstStyle/>
           <a:p>
-            <a:pPr marL="0" marR="0" lvl="0" indent="0" algn="r" defTabSz="1218987" rtl="0" eaLnBrk="1" fontAlgn="auto" latinLnBrk="0" hangingPunct="1">
+            <a:pPr algn="r" defTabSz="1218987" fontAlgn="auto">
               <a:lnSpc>
                 <a:spcPct val="105000"/>
               </a:lnSpc>
@@ -3155,38 +3593,23 @@
               <a:buSzPct val="100000"/>
               <a:buFont typeface="Wingdings" panose="05000000000000000000" pitchFamily="2" charset="2"/>
               <a:buNone/>
-              <a:tabLst/>
               <a:defRPr/>
             </a:pPr>
             <a:r>
-              <a:rPr kumimoji="0" lang="en-US" sz="4000" b="0" i="0" u="none" strike="noStrike" kern="1200" cap="none" spc="200" normalizeH="0" baseline="0" noProof="0" dirty="0" smtClean="0">
-                <a:ln>
-                  <a:noFill/>
-                </a:ln>
+              <a:rPr lang="en-US" sz="4000" spc="200" dirty="0">
                 <a:solidFill>
                   <a:srgbClr val="E85C0E"/>
                 </a:solidFill>
-                <a:effectLst/>
-                <a:uLnTx/>
-                <a:uFillTx/>
                 <a:latin typeface="+mn-lt"/>
-                <a:ea typeface="+mn-ea"/>
                 <a:cs typeface="+mn-cs"/>
               </a:rPr>
               <a:t>Teamwork Project </a:t>
             </a:r>
-            <a:endParaRPr kumimoji="0" lang="en-US" sz="4000" b="0" i="0" u="none" strike="noStrike" kern="1200" cap="none" spc="200" normalizeH="0" baseline="0" noProof="0" dirty="0">
-              <a:ln>
-                <a:noFill/>
-              </a:ln>
+            <a:endParaRPr lang="en-US" sz="4000" spc="200" dirty="0">
               <a:solidFill>
                 <a:srgbClr val="E85C0E"/>
               </a:solidFill>
-              <a:effectLst/>
-              <a:uLnTx/>
-              <a:uFillTx/>
               <a:latin typeface="+mn-lt"/>
-              <a:ea typeface="+mn-ea"/>
               <a:cs typeface="+mn-cs"/>
             </a:endParaRPr>
           </a:p>
@@ -3194,202 +3617,202 @@
       </p:sp>
       <p:pic>
         <p:nvPicPr>
-          <p:cNvPr id="2" name="Картина 1"/>
+          <p:cNvPr id="8198" name="Картина 1"/>
           <p:cNvPicPr>
             <a:picLocks noChangeAspect="1"/>
           </p:cNvPicPr>
           <p:nvPr/>
         </p:nvPicPr>
         <p:blipFill>
-          <a:blip r:embed="rId4">
-            <a:extLst>
-              <a:ext uri="{28A0092B-C50C-407E-A947-70E740481C1C}">
-                <a14:useLocalDpi xmlns:a14="http://schemas.microsoft.com/office/drawing/2010/main" val="0"/>
-              </a:ext>
-            </a:extLst>
-          </a:blip>
+          <a:blip r:embed="rId4"/>
+          <a:srcRect/>
           <a:stretch>
             <a:fillRect/>
           </a:stretch>
         </p:blipFill>
-        <p:spPr>
-          <a:xfrm rot="18597458">
-            <a:off x="5335668" y="3958270"/>
-            <a:ext cx="825896" cy="825896"/>
+        <p:spPr bwMode="auto">
+          <a:xfrm rot="-3002542">
+            <a:off x="5334794" y="3958432"/>
+            <a:ext cx="827087" cy="825500"/>
           </a:xfrm>
           <a:prstGeom prst="rect">
             <a:avLst/>
           </a:prstGeom>
+          <a:noFill/>
+          <a:ln w="9525">
+            <a:noFill/>
+            <a:miter lim="800000"/>
+            <a:headEnd/>
+            <a:tailEnd/>
+          </a:ln>
         </p:spPr>
       </p:pic>
       <p:pic>
         <p:nvPicPr>
-          <p:cNvPr id="3" name="Картина 2"/>
+          <p:cNvPr id="8199" name="Картина 2"/>
           <p:cNvPicPr>
             <a:picLocks noChangeAspect="1"/>
           </p:cNvPicPr>
           <p:nvPr/>
         </p:nvPicPr>
         <p:blipFill>
-          <a:blip r:embed="rId5">
-            <a:extLst>
-              <a:ext uri="{28A0092B-C50C-407E-A947-70E740481C1C}">
-                <a14:useLocalDpi xmlns:a14="http://schemas.microsoft.com/office/drawing/2010/main" val="0"/>
-              </a:ext>
-            </a:extLst>
-          </a:blip>
+          <a:blip r:embed="rId5"/>
+          <a:srcRect/>
           <a:stretch>
             <a:fillRect/>
           </a:stretch>
         </p:blipFill>
-        <p:spPr>
+        <p:spPr bwMode="auto">
           <a:xfrm rot="1788799">
-            <a:off x="6260085" y="4989416"/>
-            <a:ext cx="896331" cy="819503"/>
+            <a:off x="6259513" y="4989513"/>
+            <a:ext cx="896937" cy="819150"/>
           </a:xfrm>
           <a:prstGeom prst="rect">
             <a:avLst/>
           </a:prstGeom>
+          <a:noFill/>
+          <a:ln w="9525">
+            <a:noFill/>
+            <a:miter lim="800000"/>
+            <a:headEnd/>
+            <a:tailEnd/>
+          </a:ln>
         </p:spPr>
       </p:pic>
       <p:pic>
         <p:nvPicPr>
-          <p:cNvPr id="4" name="Картина 3"/>
+          <p:cNvPr id="8200" name="Картина 3"/>
           <p:cNvPicPr>
             <a:picLocks noChangeAspect="1"/>
           </p:cNvPicPr>
           <p:nvPr/>
         </p:nvPicPr>
         <p:blipFill>
-          <a:blip r:embed="rId6">
-            <a:extLst>
-              <a:ext uri="{28A0092B-C50C-407E-A947-70E740481C1C}">
-                <a14:useLocalDpi xmlns:a14="http://schemas.microsoft.com/office/drawing/2010/main" val="0"/>
-              </a:ext>
-            </a:extLst>
-          </a:blip>
+          <a:blip r:embed="rId6"/>
+          <a:srcRect/>
           <a:stretch>
             <a:fillRect/>
           </a:stretch>
         </p:blipFill>
-        <p:spPr>
+        <p:spPr bwMode="auto">
           <a:xfrm rot="1865633">
-            <a:off x="9367781" y="3785312"/>
-            <a:ext cx="931814" cy="851944"/>
+            <a:off x="9367838" y="3784600"/>
+            <a:ext cx="931862" cy="852488"/>
           </a:xfrm>
           <a:prstGeom prst="rect">
             <a:avLst/>
           </a:prstGeom>
+          <a:noFill/>
+          <a:ln w="9525">
+            <a:noFill/>
+            <a:miter lim="800000"/>
+            <a:headEnd/>
+            <a:tailEnd/>
+          </a:ln>
         </p:spPr>
       </p:pic>
       <p:pic>
         <p:nvPicPr>
-          <p:cNvPr id="9" name="Картина 8"/>
+          <p:cNvPr id="8201" name="Картина 8"/>
           <p:cNvPicPr>
             <a:picLocks noChangeAspect="1"/>
           </p:cNvPicPr>
           <p:nvPr/>
         </p:nvPicPr>
         <p:blipFill>
-          <a:blip r:embed="rId7">
-            <a:extLst>
-              <a:ext uri="{28A0092B-C50C-407E-A947-70E740481C1C}">
-                <a14:useLocalDpi xmlns:a14="http://schemas.microsoft.com/office/drawing/2010/main" val="0"/>
-              </a:ext>
-            </a:extLst>
-          </a:blip>
+          <a:blip r:embed="rId7"/>
+          <a:srcRect/>
           <a:stretch>
             <a:fillRect/>
           </a:stretch>
         </p:blipFill>
-        <p:spPr>
-          <a:xfrm rot="20504834">
-            <a:off x="7860595" y="4494655"/>
-            <a:ext cx="837550" cy="916070"/>
+        <p:spPr bwMode="auto">
+          <a:xfrm rot="-1095166">
+            <a:off x="7861300" y="4494213"/>
+            <a:ext cx="836613" cy="915987"/>
           </a:xfrm>
           <a:prstGeom prst="rect">
             <a:avLst/>
           </a:prstGeom>
+          <a:noFill/>
+          <a:ln w="9525">
+            <a:noFill/>
+            <a:miter lim="800000"/>
+            <a:headEnd/>
+            <a:tailEnd/>
+          </a:ln>
         </p:spPr>
       </p:pic>
       <p:pic>
         <p:nvPicPr>
-          <p:cNvPr id="13" name="Картина 12"/>
+          <p:cNvPr id="8202" name="Картина 12"/>
           <p:cNvPicPr>
             <a:picLocks noChangeAspect="1"/>
           </p:cNvPicPr>
           <p:nvPr/>
         </p:nvPicPr>
         <p:blipFill>
-          <a:blip r:embed="rId8">
-            <a:extLst>
-              <a:ext uri="{28A0092B-C50C-407E-A947-70E740481C1C}">
-                <a14:useLocalDpi xmlns:a14="http://schemas.microsoft.com/office/drawing/2010/main" val="0"/>
-              </a:ext>
-            </a:extLst>
-          </a:blip>
+          <a:blip r:embed="rId8"/>
+          <a:srcRect/>
           <a:stretch>
             <a:fillRect/>
           </a:stretch>
         </p:blipFill>
-        <p:spPr>
+        <p:spPr bwMode="auto">
           <a:xfrm rot="993715">
-            <a:off x="9484495" y="5045349"/>
-            <a:ext cx="1035766" cy="946986"/>
+            <a:off x="9483725" y="5045075"/>
+            <a:ext cx="1036638" cy="947738"/>
           </a:xfrm>
           <a:prstGeom prst="rect">
             <a:avLst/>
           </a:prstGeom>
+          <a:noFill/>
+          <a:ln w="9525">
+            <a:noFill/>
+            <a:miter lim="800000"/>
+            <a:headEnd/>
+            <a:tailEnd/>
+          </a:ln>
         </p:spPr>
       </p:pic>
       <p:pic>
         <p:nvPicPr>
-          <p:cNvPr id="15" name="Картина 14"/>
+          <p:cNvPr id="8203" name="Картина 14"/>
           <p:cNvPicPr>
             <a:picLocks noChangeAspect="1"/>
           </p:cNvPicPr>
           <p:nvPr/>
         </p:nvPicPr>
         <p:blipFill>
-          <a:blip r:embed="rId9">
-            <a:extLst>
-              <a:ext uri="{28A0092B-C50C-407E-A947-70E740481C1C}">
-                <a14:useLocalDpi xmlns:a14="http://schemas.microsoft.com/office/drawing/2010/main" val="0"/>
-              </a:ext>
-            </a:extLst>
-          </a:blip>
+          <a:blip r:embed="rId9"/>
+          <a:srcRect/>
           <a:stretch>
             <a:fillRect/>
           </a:stretch>
         </p:blipFill>
-        <p:spPr>
+        <p:spPr bwMode="auto">
           <a:xfrm>
-            <a:off x="912812" y="3780466"/>
-            <a:ext cx="2590800" cy="2546400"/>
+            <a:off x="912813" y="3779838"/>
+            <a:ext cx="2590800" cy="2546350"/>
           </a:xfrm>
           <a:prstGeom prst="rect">
             <a:avLst/>
           </a:prstGeom>
+          <a:noFill/>
+          <a:ln w="9525">
+            <a:noFill/>
+            <a:miter lim="800000"/>
+            <a:headEnd/>
+            <a:tailEnd/>
+          </a:ln>
         </p:spPr>
       </p:pic>
     </p:spTree>
-    <p:extLst>
-      <p:ext uri="{BB962C8B-B14F-4D97-AF65-F5344CB8AC3E}">
-        <p14:creationId xmlns:p14="http://schemas.microsoft.com/office/powerpoint/2010/main" val="3215379390"/>
-      </p:ext>
-    </p:extLst>
   </p:cSld>
   <p:clrMapOvr>
     <a:masterClrMapping/>
   </p:clrMapOvr>
-  <mc:AlternateContent xmlns:mc="http://schemas.openxmlformats.org/markup-compatibility/2006" xmlns:p14="http://schemas.microsoft.com/office/powerpoint/2010/main">
-    <mc:Choice Requires="p14">
-      <p:transition p14:dur="10"/>
-    </mc:Choice>
-    <mc:Fallback xmlns="">
-      <p:transition/>
-    </mc:Fallback>
-  </mc:AlternateContent>
+  <p:transition/>
   <p:timing>
     <p:tnLst>
       <p:par>
@@ -3437,9 +3860,14 @@
           <a:bodyPr/>
           <a:lstStyle/>
           <a:p>
-            <a:fld id="{C014DD1E-5D91-48A3-AD6D-45FBA980D106}" type="slidenum">
-              <a:rPr lang="en-US" smtClean="0"/>
-              <a:pPr/>
+            <a:pPr>
+              <a:defRPr/>
+            </a:pPr>
+            <a:fld id="{A0069AD7-C2D3-4F6C-ABF9-AD5C6C9D00E7}" type="slidenum">
+              <a:rPr lang="en-US"/>
+              <a:pPr>
+                <a:defRPr/>
+              </a:pPr>
               <a:t>2</a:t>
             </a:fld>
             <a:endParaRPr lang="en-US" dirty="0"/>
@@ -3448,206 +3876,222 @@
       </p:sp>
       <p:sp>
         <p:nvSpPr>
-          <p:cNvPr id="25" name="TextBox 24"/>
-          <p:cNvSpPr txBox="1"/>
+          <p:cNvPr id="10242" name="TextBox 24"/>
+          <p:cNvSpPr txBox="1">
+            <a:spLocks noChangeArrowheads="1"/>
+          </p:cNvSpPr>
           <p:nvPr/>
         </p:nvSpPr>
-        <p:spPr>
+        <p:spPr bwMode="auto">
           <a:xfrm>
-            <a:off x="1017482" y="2590800"/>
-            <a:ext cx="1147942" cy="954107"/>
+            <a:off x="1017588" y="2590800"/>
+            <a:ext cx="1147762" cy="954088"/>
           </a:xfrm>
           <a:prstGeom prst="rect">
             <a:avLst/>
           </a:prstGeom>
           <a:noFill/>
+          <a:ln w="9525">
+            <a:noFill/>
+            <a:miter lim="800000"/>
+            <a:headEnd/>
+            <a:tailEnd/>
+          </a:ln>
         </p:spPr>
         <p:txBody>
-          <a:bodyPr wrap="none" rtlCol="0">
+          <a:bodyPr wrap="none">
             <a:spAutoFit/>
           </a:bodyPr>
           <a:lstStyle/>
           <a:p>
             <a:pPr algn="r"/>
             <a:r>
-              <a:rPr lang="en-US" sz="2800" dirty="0" smtClean="0">
+              <a:rPr lang="en-US" sz="2800">
                 <a:solidFill>
                   <a:srgbClr val="E85C0E"/>
                 </a:solidFill>
+                <a:latin typeface="Calibri" pitchFamily="34" charset="0"/>
               </a:rPr>
               <a:t>Georgi</a:t>
             </a:r>
             <a:br>
-              <a:rPr lang="en-US" sz="2800" dirty="0" smtClean="0">
+              <a:rPr lang="en-US" sz="2800">
                 <a:solidFill>
                   <a:srgbClr val="E85C0E"/>
                 </a:solidFill>
+                <a:latin typeface="Calibri" pitchFamily="34" charset="0"/>
               </a:rPr>
             </a:br>
             <a:r>
-              <a:rPr lang="en-US" sz="2800" dirty="0" smtClean="0">
+              <a:rPr lang="en-US" sz="2800">
                 <a:solidFill>
                   <a:srgbClr val="E85C0E"/>
                 </a:solidFill>
+                <a:latin typeface="Calibri" pitchFamily="34" charset="0"/>
               </a:rPr>
               <a:t>Inkov</a:t>
             </a:r>
-            <a:endParaRPr lang="en-US" sz="2800" dirty="0">
-              <a:solidFill>
-                <a:srgbClr val="E85C0E"/>
-              </a:solidFill>
-            </a:endParaRPr>
           </a:p>
         </p:txBody>
       </p:sp>
       <p:sp>
         <p:nvSpPr>
-          <p:cNvPr id="26" name="TextBox 25"/>
-          <p:cNvSpPr txBox="1"/>
+          <p:cNvPr id="10243" name="TextBox 25"/>
+          <p:cNvSpPr txBox="1">
+            <a:spLocks noChangeArrowheads="1"/>
+          </p:cNvSpPr>
           <p:nvPr/>
         </p:nvSpPr>
-        <p:spPr>
+        <p:spPr bwMode="auto">
           <a:xfrm>
-            <a:off x="359201" y="4953000"/>
-            <a:ext cx="1811265" cy="954107"/>
+            <a:off x="358775" y="4953000"/>
+            <a:ext cx="1811338" cy="954088"/>
           </a:xfrm>
           <a:prstGeom prst="rect">
             <a:avLst/>
           </a:prstGeom>
           <a:noFill/>
+          <a:ln w="9525">
+            <a:noFill/>
+            <a:miter lim="800000"/>
+            <a:headEnd/>
+            <a:tailEnd/>
+          </a:ln>
         </p:spPr>
         <p:txBody>
-          <a:bodyPr wrap="none" rtlCol="0">
+          <a:bodyPr wrap="none">
             <a:spAutoFit/>
           </a:bodyPr>
           <a:lstStyle/>
           <a:p>
             <a:pPr algn="r"/>
             <a:r>
-              <a:rPr lang="en-US" sz="2800" dirty="0" err="1" smtClean="0">
+              <a:rPr lang="en-US" sz="2800">
                 <a:solidFill>
                   <a:srgbClr val="E85C0E"/>
                 </a:solidFill>
+                <a:latin typeface="Calibri" pitchFamily="34" charset="0"/>
               </a:rPr>
               <a:t>Yulia</a:t>
             </a:r>
-            <a:endParaRPr lang="en-US" sz="2800" dirty="0" smtClean="0">
-              <a:solidFill>
-                <a:srgbClr val="E85C0E"/>
-              </a:solidFill>
-            </a:endParaRPr>
           </a:p>
           <a:p>
             <a:pPr algn="r"/>
             <a:r>
-              <a:rPr lang="en-US" sz="2800" dirty="0" err="1" smtClean="0">
+              <a:rPr lang="en-US" sz="2800">
                 <a:solidFill>
                   <a:srgbClr val="E85C0E"/>
                 </a:solidFill>
+                <a:latin typeface="Calibri" pitchFamily="34" charset="0"/>
               </a:rPr>
               <a:t>Tenincheva</a:t>
             </a:r>
-            <a:endParaRPr lang="en-US" sz="2800" dirty="0">
-              <a:solidFill>
-                <a:srgbClr val="E85C0E"/>
-              </a:solidFill>
-            </a:endParaRPr>
           </a:p>
         </p:txBody>
       </p:sp>
       <p:sp>
         <p:nvSpPr>
-          <p:cNvPr id="27" name="TextBox 26"/>
-          <p:cNvSpPr txBox="1"/>
+          <p:cNvPr id="10244" name="TextBox 26"/>
+          <p:cNvSpPr txBox="1">
+            <a:spLocks noChangeArrowheads="1"/>
+          </p:cNvSpPr>
           <p:nvPr/>
         </p:nvSpPr>
-        <p:spPr>
+        <p:spPr bwMode="auto">
           <a:xfrm>
-            <a:off x="8391490" y="2590800"/>
-            <a:ext cx="1796261" cy="954107"/>
+            <a:off x="8391525" y="2590800"/>
+            <a:ext cx="1795463" cy="954088"/>
           </a:xfrm>
           <a:prstGeom prst="rect">
             <a:avLst/>
           </a:prstGeom>
           <a:noFill/>
+          <a:ln w="9525">
+            <a:noFill/>
+            <a:miter lim="800000"/>
+            <a:headEnd/>
+            <a:tailEnd/>
+          </a:ln>
         </p:spPr>
         <p:txBody>
-          <a:bodyPr wrap="none" rtlCol="0">
+          <a:bodyPr wrap="none">
             <a:spAutoFit/>
           </a:bodyPr>
           <a:lstStyle/>
           <a:p>
             <a:r>
-              <a:rPr lang="en-US" sz="2800" dirty="0" smtClean="0">
+              <a:rPr lang="en-US" sz="2800">
                 <a:solidFill>
                   <a:srgbClr val="E85C0E"/>
                 </a:solidFill>
+                <a:latin typeface="Calibri" pitchFamily="34" charset="0"/>
               </a:rPr>
               <a:t>Daniel</a:t>
             </a:r>
           </a:p>
           <a:p>
             <a:r>
-              <a:rPr lang="en-US" sz="2800" dirty="0" smtClean="0">
+              <a:rPr lang="en-US" sz="2800">
                 <a:solidFill>
                   <a:srgbClr val="E85C0E"/>
                 </a:solidFill>
+                <a:latin typeface="Calibri" pitchFamily="34" charset="0"/>
               </a:rPr>
               <a:t>Petrovaliev</a:t>
             </a:r>
-            <a:endParaRPr lang="en-US" sz="2800" dirty="0">
-              <a:solidFill>
-                <a:srgbClr val="E85C0E"/>
-              </a:solidFill>
-            </a:endParaRPr>
           </a:p>
         </p:txBody>
       </p:sp>
       <p:sp>
         <p:nvSpPr>
-          <p:cNvPr id="28" name="TextBox 27"/>
-          <p:cNvSpPr txBox="1"/>
+          <p:cNvPr id="10245" name="TextBox 27"/>
+          <p:cNvSpPr txBox="1">
+            <a:spLocks noChangeArrowheads="1"/>
+          </p:cNvSpPr>
           <p:nvPr/>
         </p:nvSpPr>
-        <p:spPr>
+        <p:spPr bwMode="auto">
           <a:xfrm>
-            <a:off x="8391490" y="4953000"/>
-            <a:ext cx="1211742" cy="954107"/>
+            <a:off x="8391525" y="4953000"/>
+            <a:ext cx="1211263" cy="954088"/>
           </a:xfrm>
           <a:prstGeom prst="rect">
             <a:avLst/>
           </a:prstGeom>
           <a:noFill/>
+          <a:ln w="9525">
+            <a:noFill/>
+            <a:miter lim="800000"/>
+            <a:headEnd/>
+            <a:tailEnd/>
+          </a:ln>
         </p:spPr>
         <p:txBody>
-          <a:bodyPr wrap="none" rtlCol="0">
+          <a:bodyPr wrap="none">
             <a:spAutoFit/>
           </a:bodyPr>
           <a:lstStyle/>
           <a:p>
             <a:r>
-              <a:rPr lang="en-US" sz="2800" dirty="0" smtClean="0">
+              <a:rPr lang="en-US" sz="2800">
                 <a:solidFill>
                   <a:srgbClr val="E85C0E"/>
                 </a:solidFill>
+                <a:latin typeface="Calibri" pitchFamily="34" charset="0"/>
               </a:rPr>
               <a:t>Ivan</a:t>
             </a:r>
           </a:p>
           <a:p>
             <a:r>
-              <a:rPr lang="en-US" sz="2800" dirty="0" err="1" smtClean="0">
+              <a:rPr lang="en-US" sz="2800">
                 <a:solidFill>
                   <a:srgbClr val="E85C0E"/>
                 </a:solidFill>
+                <a:latin typeface="Calibri" pitchFamily="34" charset="0"/>
               </a:rPr>
               <a:t>Yonkov</a:t>
             </a:r>
-            <a:endParaRPr lang="en-US" sz="2800" dirty="0">
-              <a:solidFill>
-                <a:srgbClr val="E85C0E"/>
-              </a:solidFill>
-            </a:endParaRPr>
           </a:p>
         </p:txBody>
       </p:sp>
@@ -3661,7 +4105,7 @@
         </p:nvSpPr>
         <p:spPr>
           <a:xfrm>
-            <a:off x="2817812" y="299684"/>
+            <a:off x="2817813" y="300038"/>
             <a:ext cx="5410200" cy="685800"/>
           </a:xfrm>
           <a:prstGeom prst="rect">
@@ -3674,7 +4118,7 @@
           </a:bodyPr>
           <a:lstStyle/>
           <a:p>
-            <a:pPr marL="304747" marR="0" lvl="0" indent="-304747" algn="ctr" defTabSz="1218987" rtl="0" eaLnBrk="1" fontAlgn="auto" latinLnBrk="0" hangingPunct="1">
+            <a:pPr marL="304747" indent="-304747" algn="ctr" defTabSz="1218987" fontAlgn="auto">
               <a:lnSpc>
                 <a:spcPct val="105000"/>
               </a:lnSpc>
@@ -3688,63 +4132,43 @@
                 <a:srgbClr val="F2B254"/>
               </a:buClr>
               <a:buSzPct val="100000"/>
-              <a:tabLst/>
               <a:defRPr/>
             </a:pPr>
             <a:r>
-              <a:rPr kumimoji="0" lang="en-US" sz="4800" b="0" i="0" u="none" strike="noStrike" kern="1200" cap="none" spc="0" normalizeH="0" baseline="0" noProof="0" dirty="0" smtClean="0">
-                <a:ln>
-                  <a:noFill/>
-                </a:ln>
+              <a:rPr lang="en-US" sz="4800" dirty="0">
                 <a:solidFill>
                   <a:srgbClr val="E85C0E"/>
                 </a:solidFill>
-                <a:effectLst/>
-                <a:uLnTx/>
-                <a:uFillTx/>
                 <a:latin typeface="+mn-lt"/>
-                <a:ea typeface="+mn-ea"/>
                 <a:cs typeface="+mn-cs"/>
               </a:rPr>
               <a:t>Team</a:t>
             </a:r>
             <a:r>
-              <a:rPr kumimoji="0" lang="en-US" sz="3600" b="0" i="0" u="none" strike="noStrike" kern="1200" cap="none" spc="0" normalizeH="0" baseline="0" noProof="0" dirty="0" smtClean="0">
-                <a:ln>
-                  <a:noFill/>
-                </a:ln>
+              <a:rPr lang="en-US" sz="3600" dirty="0">
                 <a:solidFill>
                   <a:srgbClr val="E85C0E"/>
                 </a:solidFill>
-                <a:effectLst/>
-                <a:uLnTx/>
-                <a:uFillTx/>
                 <a:latin typeface="+mn-lt"/>
-                <a:ea typeface="+mn-ea"/>
                 <a:cs typeface="+mn-cs"/>
               </a:rPr>
               <a:t> </a:t>
             </a:r>
             <a:r>
-              <a:rPr lang="en-US" sz="4800" dirty="0" smtClean="0">
+              <a:rPr lang="en-US" sz="4800" dirty="0">
                 <a:solidFill>
                   <a:srgbClr val="E85C0E"/>
                 </a:solidFill>
+                <a:latin typeface="+mn-lt"/>
+                <a:cs typeface="+mn-cs"/>
               </a:rPr>
               <a:t>Cymbidium Orchid</a:t>
             </a:r>
-            <a:endParaRPr kumimoji="0" lang="en-US" sz="4800" b="0" i="0" u="none" strike="noStrike" kern="1200" cap="none" spc="0" normalizeH="0" baseline="0" noProof="0" dirty="0">
-              <a:ln>
-                <a:noFill/>
-              </a:ln>
+            <a:endParaRPr lang="en-US" sz="4800" dirty="0">
               <a:solidFill>
                 <a:srgbClr val="E85C0E"/>
               </a:solidFill>
-              <a:effectLst/>
-              <a:uLnTx/>
-              <a:uFillTx/>
               <a:latin typeface="+mn-lt"/>
-              <a:ea typeface="+mn-ea"/>
               <a:cs typeface="+mn-cs"/>
             </a:endParaRPr>
           </a:p>
@@ -3752,142 +4176,138 @@
       </p:sp>
       <p:pic>
         <p:nvPicPr>
-          <p:cNvPr id="3" name="Картина 2"/>
+          <p:cNvPr id="10247" name="Картина 2"/>
           <p:cNvPicPr>
             <a:picLocks noChangeAspect="1"/>
           </p:cNvPicPr>
           <p:nvPr/>
         </p:nvPicPr>
         <p:blipFill>
-          <a:blip r:embed="rId3" cstate="print">
-            <a:extLst>
-              <a:ext uri="{28A0092B-C50C-407E-A947-70E740481C1C}">
-                <a14:useLocalDpi xmlns:a14="http://schemas.microsoft.com/office/drawing/2010/main" val="0"/>
-              </a:ext>
-            </a:extLst>
-          </a:blip>
+          <a:blip r:embed="rId3"/>
+          <a:srcRect/>
           <a:stretch>
             <a:fillRect/>
           </a:stretch>
         </p:blipFill>
-        <p:spPr>
+        <p:spPr bwMode="auto">
           <a:xfrm>
-            <a:off x="6442392" y="1401782"/>
-            <a:ext cx="1631632" cy="2132430"/>
+            <a:off x="6442075" y="1401763"/>
+            <a:ext cx="1631950" cy="2132012"/>
           </a:xfrm>
           <a:prstGeom prst="rect">
             <a:avLst/>
           </a:prstGeom>
+          <a:noFill/>
+          <a:ln w="9525">
+            <a:noFill/>
+            <a:miter lim="800000"/>
+            <a:headEnd/>
+            <a:tailEnd/>
+          </a:ln>
         </p:spPr>
       </p:pic>
       <p:pic>
         <p:nvPicPr>
-          <p:cNvPr id="4" name="Картина 3"/>
+          <p:cNvPr id="10248" name="Картина 3"/>
           <p:cNvPicPr>
             <a:picLocks noChangeAspect="1"/>
           </p:cNvPicPr>
           <p:nvPr/>
         </p:nvPicPr>
         <p:blipFill>
-          <a:blip r:embed="rId4" cstate="print">
-            <a:extLst>
-              <a:ext uri="{28A0092B-C50C-407E-A947-70E740481C1C}">
-                <a14:useLocalDpi xmlns:a14="http://schemas.microsoft.com/office/drawing/2010/main" val="0"/>
-              </a:ext>
-            </a:extLst>
-          </a:blip>
+          <a:blip r:embed="rId4"/>
+          <a:srcRect/>
           <a:stretch>
             <a:fillRect/>
           </a:stretch>
         </p:blipFill>
-        <p:spPr>
+        <p:spPr bwMode="auto">
           <a:xfrm>
-            <a:off x="6428104" y="3697051"/>
-            <a:ext cx="1645920" cy="2194560"/>
+            <a:off x="6427788" y="3697288"/>
+            <a:ext cx="1646237" cy="2193925"/>
           </a:xfrm>
           <a:prstGeom prst="rect">
             <a:avLst/>
           </a:prstGeom>
+          <a:noFill/>
+          <a:ln w="9525">
+            <a:noFill/>
+            <a:miter lim="800000"/>
+            <a:headEnd/>
+            <a:tailEnd/>
+          </a:ln>
         </p:spPr>
       </p:pic>
       <p:pic>
         <p:nvPicPr>
-          <p:cNvPr id="5" name="Картина 4"/>
+          <p:cNvPr id="10249" name="Картина 4"/>
           <p:cNvPicPr>
             <a:picLocks noChangeAspect="1"/>
           </p:cNvPicPr>
           <p:nvPr/>
         </p:nvPicPr>
         <p:blipFill>
-          <a:blip r:embed="rId5">
-            <a:extLst>
-              <a:ext uri="{28A0092B-C50C-407E-A947-70E740481C1C}">
-                <a14:useLocalDpi xmlns:a14="http://schemas.microsoft.com/office/drawing/2010/main" val="0"/>
-              </a:ext>
-            </a:extLst>
-          </a:blip>
+          <a:blip r:embed="rId5"/>
+          <a:srcRect/>
           <a:stretch>
             <a:fillRect/>
           </a:stretch>
         </p:blipFill>
-        <p:spPr>
+        <p:spPr bwMode="auto">
           <a:xfrm>
-            <a:off x="2945065" y="3712547"/>
-            <a:ext cx="1796907" cy="2194560"/>
+            <a:off x="2944813" y="3713163"/>
+            <a:ext cx="1797050" cy="2193925"/>
           </a:xfrm>
           <a:prstGeom prst="rect">
             <a:avLst/>
           </a:prstGeom>
+          <a:noFill/>
+          <a:ln w="9525">
+            <a:noFill/>
+            <a:miter lim="800000"/>
+            <a:headEnd/>
+            <a:tailEnd/>
+          </a:ln>
         </p:spPr>
       </p:pic>
       <p:pic>
         <p:nvPicPr>
-          <p:cNvPr id="6" name="Картина 5"/>
+          <p:cNvPr id="10250" name="Картина 5"/>
           <p:cNvPicPr>
             <a:picLocks noChangeAspect="1"/>
           </p:cNvPicPr>
           <p:nvPr/>
         </p:nvPicPr>
         <p:blipFill>
-          <a:blip r:embed="rId6">
-            <a:extLst>
-              <a:ext uri="{28A0092B-C50C-407E-A947-70E740481C1C}">
-                <a14:useLocalDpi xmlns:a14="http://schemas.microsoft.com/office/drawing/2010/main" val="0"/>
-              </a:ext>
-            </a:extLst>
-          </a:blip>
+          <a:blip r:embed="rId6"/>
+          <a:srcRect/>
           <a:stretch>
             <a:fillRect/>
           </a:stretch>
         </p:blipFill>
-        <p:spPr>
+        <p:spPr bwMode="auto">
           <a:xfrm>
-            <a:off x="2945065" y="1375224"/>
-            <a:ext cx="1796908" cy="2158988"/>
+            <a:off x="2944813" y="1374775"/>
+            <a:ext cx="1797050" cy="2159000"/>
           </a:xfrm>
           <a:prstGeom prst="rect">
             <a:avLst/>
           </a:prstGeom>
+          <a:noFill/>
+          <a:ln w="9525">
+            <a:noFill/>
+            <a:miter lim="800000"/>
+            <a:headEnd/>
+            <a:tailEnd/>
+          </a:ln>
         </p:spPr>
       </p:pic>
     </p:spTree>
-    <p:extLst>
-      <p:ext uri="{BB962C8B-B14F-4D97-AF65-F5344CB8AC3E}">
-        <p14:creationId xmlns:p14="http://schemas.microsoft.com/office/powerpoint/2010/main" val="1646986932"/>
-      </p:ext>
-    </p:extLst>
   </p:cSld>
   <p:clrMapOvr>
     <a:masterClrMapping/>
   </p:clrMapOvr>
-  <mc:AlternateContent xmlns:mc="http://schemas.openxmlformats.org/markup-compatibility/2006" xmlns:p14="http://schemas.microsoft.com/office/powerpoint/2010/main">
-    <mc:Choice Requires="p14">
-      <p:transition p14:dur="0"/>
-    </mc:Choice>
-    <mc:Fallback xmlns="">
-      <p:transition/>
-    </mc:Fallback>
-  </mc:AlternateContent>
+  <p:transition/>
   <p:timing>
     <p:tnLst>
       <p:par>
@@ -3935,9 +4355,14 @@
           <a:bodyPr/>
           <a:lstStyle/>
           <a:p>
-            <a:fld id="{C014DD1E-5D91-48A3-AD6D-45FBA980D106}" type="slidenum">
-              <a:rPr lang="en-US" smtClean="0"/>
-              <a:pPr/>
+            <a:pPr>
+              <a:defRPr/>
+            </a:pPr>
+            <a:fld id="{F1E9EC20-1EF3-4B35-976E-EFEC72941954}" type="slidenum">
+              <a:rPr lang="en-US"/>
+              <a:pPr>
+                <a:defRPr/>
+              </a:pPr>
               <a:t>3</a:t>
             </a:fld>
             <a:endParaRPr lang="en-US" dirty="0"/>
@@ -3954,8 +4379,8 @@
         </p:nvSpPr>
         <p:spPr>
           <a:xfrm>
-            <a:off x="1979612" y="228600"/>
-            <a:ext cx="7772400" cy="783269"/>
+            <a:off x="1979613" y="228600"/>
+            <a:ext cx="7772400" cy="782638"/>
           </a:xfrm>
           <a:prstGeom prst="rect">
             <a:avLst/>
@@ -3963,25 +4388,25 @@
         </p:spPr>
         <p:txBody>
           <a:bodyPr>
-            <a:normAutofit fontScale="85000" lnSpcReduction="10000"/>
+            <a:normAutofit/>
           </a:bodyPr>
           <a:lstStyle/>
           <a:p>
-            <a:pPr algn="ctr"/>
-            <a:r>
-              <a:rPr lang="en-US" sz="4800" dirty="0" smtClean="0">
-                <a:solidFill>
-                  <a:srgbClr val="E85C0E"/>
-                </a:solidFill>
+            <a:pPr algn="ctr">
+              <a:lnSpc>
+                <a:spcPct val="90000"/>
+              </a:lnSpc>
+            </a:pPr>
+            <a:r>
+              <a:rPr lang="en-US" sz="2800">
                 <a:hlinkClick r:id="rId3"/>
               </a:rPr>
-              <a:t>http://nakman.spirtuni.cloudvps.bg</a:t>
-            </a:r>
-            <a:endParaRPr lang="en-US" sz="4800" dirty="0">
-              <a:solidFill>
-                <a:srgbClr val="E85C0E"/>
-              </a:solidFill>
-            </a:endParaRPr>
+              <a:t>http://meandmy.softuni-friends.org/NakMan/</a:t>
+            </a:r>
+            <a:r>
+              <a:rPr lang="en-US" sz="2800"/>
+              <a:t> </a:t>
+            </a:r>
           </a:p>
         </p:txBody>
       </p:sp>
@@ -3995,8 +4420,8 @@
         </p:nvSpPr>
         <p:spPr>
           <a:xfrm>
-            <a:off x="1554480" y="5715000"/>
-            <a:ext cx="9982200" cy="783269"/>
+            <a:off x="1554163" y="5715000"/>
+            <a:ext cx="9982200" cy="782638"/>
           </a:xfrm>
           <a:prstGeom prst="rect">
             <a:avLst/>
@@ -4008,7 +4433,7 @@
           </a:bodyPr>
           <a:lstStyle/>
           <a:p>
-            <a:pPr marL="304747" lvl="0" indent="-304747" algn="ctr">
+            <a:pPr marL="304747" indent="-304747" algn="ctr" defTabSz="1218987" fontAlgn="auto">
               <a:lnSpc>
                 <a:spcPct val="105000"/>
               </a:lnSpc>
@@ -4025,26 +4450,21 @@
               <a:defRPr/>
             </a:pPr>
             <a:r>
-              <a:rPr lang="en-US" sz="4800" dirty="0" smtClean="0">
+              <a:rPr lang="en-US" sz="4800" dirty="0">
                 <a:solidFill>
                   <a:srgbClr val="E85C0E"/>
                 </a:solidFill>
+                <a:latin typeface="+mn-lt"/>
+                <a:cs typeface="+mn-cs"/>
                 <a:hlinkClick r:id="rId4"/>
               </a:rPr>
               <a:t>https://github.com/CymbidiumOrchid/NakMan</a:t>
             </a:r>
-            <a:endParaRPr kumimoji="0" lang="en-US" sz="4800" b="0" i="0" u="none" strike="noStrike" kern="1200" cap="none" spc="0" normalizeH="0" baseline="0" noProof="0" dirty="0">
-              <a:ln>
-                <a:noFill/>
-              </a:ln>
+            <a:endParaRPr lang="en-US" sz="4800" dirty="0">
               <a:solidFill>
                 <a:srgbClr val="E85C0E"/>
               </a:solidFill>
-              <a:effectLst/>
-              <a:uLnTx/>
-              <a:uFillTx/>
               <a:latin typeface="+mn-lt"/>
-              <a:ea typeface="+mn-ea"/>
               <a:cs typeface="+mn-cs"/>
             </a:endParaRPr>
           </a:p>
@@ -4052,14 +4472,14 @@
       </p:sp>
       <p:pic>
         <p:nvPicPr>
-          <p:cNvPr id="4098" name="Picture 2" descr="http://upload.wikimedia.org/wikipedia/en/4/40/Octocat,_a_Mascot_of_Github.jpg"/>
+          <p:cNvPr id="12292" name="Picture 2" descr="http://upload.wikimedia.org/wikipedia/en/4/40/Octocat,_a_Mascot_of_Github.jpg"/>
           <p:cNvPicPr>
             <a:picLocks noChangeAspect="1" noChangeArrowheads="1"/>
           </p:cNvPicPr>
           <p:nvPr/>
         </p:nvPicPr>
         <p:blipFill>
-          <a:blip r:embed="rId5" cstate="print"/>
+          <a:blip r:embed="rId5"/>
           <a:srcRect/>
           <a:stretch>
             <a:fillRect/>
@@ -4067,13 +4487,19 @@
         </p:blipFill>
         <p:spPr bwMode="auto">
           <a:xfrm>
-            <a:off x="731520" y="5760720"/>
+            <a:off x="731838" y="5761038"/>
             <a:ext cx="752475" cy="752475"/>
           </a:xfrm>
           <a:prstGeom prst="rect">
             <a:avLst/>
           </a:prstGeom>
           <a:noFill/>
+          <a:ln w="9525">
+            <a:noFill/>
+            <a:miter lim="800000"/>
+            <a:headEnd/>
+            <a:tailEnd/>
+          </a:ln>
         </p:spPr>
       </p:pic>
       <p:sp>
@@ -4093,23 +4519,28 @@
           <a:noFill/>
         </p:spPr>
         <p:txBody>
-          <a:bodyPr wrap="none" lIns="91440" tIns="45720" rIns="91440" bIns="45720">
+          <a:bodyPr wrap="none">
             <a:spAutoFit/>
           </a:bodyPr>
           <a:lstStyle/>
           <a:p>
-            <a:pPr algn="ctr"/>
-            <a:r>
-              <a:rPr lang="en-US" sz="5400" b="1" cap="none" spc="0" dirty="0" smtClean="0">
+            <a:pPr algn="ctr" defTabSz="1218987" fontAlgn="auto">
+              <a:spcBef>
+                <a:spcPts val="0"/>
+              </a:spcBef>
+              <a:spcAft>
+                <a:spcPts val="0"/>
+              </a:spcAft>
+              <a:defRPr/>
+            </a:pPr>
+            <a:r>
+              <a:rPr lang="en-US" sz="5400" b="1" dirty="0">
                 <a:ln w="9525">
                   <a:solidFill>
                     <a:schemeClr val="bg1"/>
                   </a:solidFill>
                   <a:prstDash val="solid"/>
                 </a:ln>
-                <a:solidFill>
-                  <a:schemeClr val="tx1"/>
-                </a:solidFill>
                 <a:effectLst>
                   <a:outerShdw blurRad="12700" dist="38100" dir="2700000" algn="tl" rotWithShape="0">
                     <a:schemeClr val="bg1">
@@ -4117,19 +4548,18 @@
                     </a:schemeClr>
                   </a:outerShdw>
                 </a:effectLst>
+                <a:latin typeface="+mn-lt"/>
+                <a:cs typeface="+mn-cs"/>
               </a:rPr>
               <a:t>Demo…</a:t>
             </a:r>
-            <a:endParaRPr lang="bg-BG" sz="5400" b="1" cap="none" spc="0" dirty="0">
+            <a:endParaRPr lang="bg-BG" sz="5400" b="1" dirty="0">
               <a:ln w="9525">
                 <a:solidFill>
                   <a:schemeClr val="bg1"/>
                 </a:solidFill>
                 <a:prstDash val="solid"/>
               </a:ln>
-              <a:solidFill>
-                <a:schemeClr val="tx1"/>
-              </a:solidFill>
               <a:effectLst>
                 <a:outerShdw blurRad="12700" dist="38100" dir="2700000" algn="tl" rotWithShape="0">
                   <a:schemeClr val="bg1">
@@ -4137,6 +4567,8 @@
                   </a:schemeClr>
                 </a:outerShdw>
               </a:effectLst>
+              <a:latin typeface="+mn-lt"/>
+              <a:cs typeface="+mn-cs"/>
             </a:endParaRPr>
           </a:p>
         </p:txBody>
@@ -4158,23 +4590,28 @@
           <a:noFill/>
         </p:spPr>
         <p:txBody>
-          <a:bodyPr wrap="none" lIns="91440" tIns="45720" rIns="91440" bIns="45720">
+          <a:bodyPr wrap="none">
             <a:spAutoFit/>
           </a:bodyPr>
           <a:lstStyle/>
           <a:p>
-            <a:pPr algn="ctr"/>
-            <a:r>
-              <a:rPr lang="en-US" sz="5400" b="1" cap="none" spc="0" dirty="0" smtClean="0">
+            <a:pPr algn="ctr" defTabSz="1218987" fontAlgn="auto">
+              <a:spcBef>
+                <a:spcPts val="0"/>
+              </a:spcBef>
+              <a:spcAft>
+                <a:spcPts val="0"/>
+              </a:spcAft>
+              <a:defRPr/>
+            </a:pPr>
+            <a:r>
+              <a:rPr lang="en-US" sz="5400" b="1" dirty="0">
                 <a:ln w="9525">
                   <a:solidFill>
                     <a:schemeClr val="bg1"/>
                   </a:solidFill>
                   <a:prstDash val="solid"/>
                 </a:ln>
-                <a:solidFill>
-                  <a:schemeClr val="tx1"/>
-                </a:solidFill>
                 <a:effectLst>
                   <a:outerShdw blurRad="12700" dist="38100" dir="2700000" algn="tl" rotWithShape="0">
                     <a:schemeClr val="bg1">
@@ -4182,19 +4619,18 @@
                     </a:schemeClr>
                   </a:outerShdw>
                 </a:effectLst>
+                <a:latin typeface="+mn-lt"/>
+                <a:cs typeface="+mn-cs"/>
               </a:rPr>
               <a:t>Demo…</a:t>
             </a:r>
-            <a:endParaRPr lang="bg-BG" sz="5400" b="1" cap="none" spc="0" dirty="0">
+            <a:endParaRPr lang="bg-BG" sz="5400" b="1" dirty="0">
               <a:ln w="9525">
                 <a:solidFill>
                   <a:schemeClr val="bg1"/>
                 </a:solidFill>
                 <a:prstDash val="solid"/>
               </a:ln>
-              <a:solidFill>
-                <a:schemeClr val="tx1"/>
-              </a:solidFill>
               <a:effectLst>
                 <a:outerShdw blurRad="12700" dist="38100" dir="2700000" algn="tl" rotWithShape="0">
                   <a:schemeClr val="bg1">
@@ -4202,58 +4638,50 @@
                   </a:schemeClr>
                 </a:outerShdw>
               </a:effectLst>
+              <a:latin typeface="+mn-lt"/>
+              <a:cs typeface="+mn-cs"/>
             </a:endParaRPr>
           </a:p>
         </p:txBody>
       </p:sp>
       <p:pic>
         <p:nvPicPr>
-          <p:cNvPr id="3" name="Картина 2"/>
+          <p:cNvPr id="12295" name="Картина 2"/>
           <p:cNvPicPr>
             <a:picLocks noChangeAspect="1"/>
           </p:cNvPicPr>
           <p:nvPr/>
         </p:nvPicPr>
         <p:blipFill>
-          <a:blip r:embed="rId6">
-            <a:extLst>
-              <a:ext uri="{28A0092B-C50C-407E-A947-70E740481C1C}">
-                <a14:useLocalDpi xmlns:a14="http://schemas.microsoft.com/office/drawing/2010/main" val="0"/>
-              </a:ext>
-            </a:extLst>
-          </a:blip>
+          <a:blip r:embed="rId6"/>
+          <a:srcRect/>
           <a:stretch>
             <a:fillRect/>
           </a:stretch>
         </p:blipFill>
-        <p:spPr>
+        <p:spPr bwMode="auto">
           <a:xfrm>
-            <a:off x="2633196" y="1008993"/>
-            <a:ext cx="6582694" cy="4706007"/>
+            <a:off x="2633663" y="1009650"/>
+            <a:ext cx="6581775" cy="4705350"/>
           </a:xfrm>
           <a:prstGeom prst="rect">
             <a:avLst/>
           </a:prstGeom>
+          <a:noFill/>
+          <a:ln w="9525">
+            <a:noFill/>
+            <a:miter lim="800000"/>
+            <a:headEnd/>
+            <a:tailEnd/>
+          </a:ln>
         </p:spPr>
       </p:pic>
     </p:spTree>
-    <p:extLst>
-      <p:ext uri="{BB962C8B-B14F-4D97-AF65-F5344CB8AC3E}">
-        <p14:creationId xmlns:p14="http://schemas.microsoft.com/office/powerpoint/2010/main" val="1646986932"/>
-      </p:ext>
-    </p:extLst>
   </p:cSld>
   <p:clrMapOvr>
     <a:masterClrMapping/>
   </p:clrMapOvr>
-  <mc:AlternateContent xmlns:mc="http://schemas.openxmlformats.org/markup-compatibility/2006" xmlns:p14="http://schemas.microsoft.com/office/powerpoint/2010/main">
-    <mc:Choice Requires="p14">
-      <p:transition p14:dur="0"/>
-    </mc:Choice>
-    <mc:Fallback xmlns="">
-      <p:transition/>
-    </mc:Fallback>
-  </mc:AlternateContent>
+  <p:transition/>
   <p:timing>
     <p:tnLst>
       <p:par>
@@ -5184,21 +5612,4 @@
   <a:objectDefaults/>
   <a:extraClrSchemeLst/>
 </a:theme>
-</file>
-
-<file path=customXml/item1.xml><?xml version="1.0" encoding="utf-8"?>
-<?mso-contentType ?>
-<FormTemplates xmlns="http://schemas.microsoft.com/sharepoint/v3/contenttype/forms">
-  <Display>DocumentLibraryForm</Display>
-  <Edit>AssetEditForm</Edit>
-  <New>DocumentLibraryForm</New>
-</FormTemplates>
-</file>
-
-<file path=customXml/itemProps1.xml><?xml version="1.0" encoding="utf-8"?>
-<ds:datastoreItem xmlns:ds="http://schemas.openxmlformats.org/officeDocument/2006/customXml" ds:itemID="{3836F65B-1B07-41EE-A0E8-BC6EF3855225}">
-  <ds:schemaRefs>
-    <ds:schemaRef ds:uri="http://schemas.microsoft.com/sharepoint/v3/contenttype/forms"/>
-  </ds:schemaRefs>
-</ds:datastoreItem>
 </file>